--- a/reference_content/Slides/PCA.pptx
+++ b/reference_content/Slides/PCA.pptx
@@ -5,17 +5,31 @@
     <p:sldMasterId id="2147483660" r:id="rId1"/>
   </p:sldMasterIdLst>
   <p:sldIdLst>
-    <p:sldId id="256" r:id="rId2"/>
-    <p:sldId id="257" r:id="rId3"/>
-    <p:sldId id="266" r:id="rId4"/>
-    <p:sldId id="258" r:id="rId5"/>
-    <p:sldId id="259" r:id="rId6"/>
-    <p:sldId id="263" r:id="rId7"/>
-    <p:sldId id="264" r:id="rId8"/>
-    <p:sldId id="265" r:id="rId9"/>
-    <p:sldId id="262" r:id="rId10"/>
-    <p:sldId id="261" r:id="rId11"/>
-    <p:sldId id="260" r:id="rId12"/>
+    <p:sldId id="280" r:id="rId2"/>
+    <p:sldId id="256" r:id="rId3"/>
+    <p:sldId id="257" r:id="rId4"/>
+    <p:sldId id="266" r:id="rId5"/>
+    <p:sldId id="276" r:id="rId6"/>
+    <p:sldId id="277" r:id="rId7"/>
+    <p:sldId id="278" r:id="rId8"/>
+    <p:sldId id="279" r:id="rId9"/>
+    <p:sldId id="258" r:id="rId10"/>
+    <p:sldId id="259" r:id="rId11"/>
+    <p:sldId id="263" r:id="rId12"/>
+    <p:sldId id="264" r:id="rId13"/>
+    <p:sldId id="267" r:id="rId14"/>
+    <p:sldId id="268" r:id="rId15"/>
+    <p:sldId id="269" r:id="rId16"/>
+    <p:sldId id="270" r:id="rId17"/>
+    <p:sldId id="271" r:id="rId18"/>
+    <p:sldId id="273" r:id="rId19"/>
+    <p:sldId id="272" r:id="rId20"/>
+    <p:sldId id="274" r:id="rId21"/>
+    <p:sldId id="265" r:id="rId22"/>
+    <p:sldId id="262" r:id="rId23"/>
+    <p:sldId id="261" r:id="rId24"/>
+    <p:sldId id="275" r:id="rId25"/>
+    <p:sldId id="260" r:id="rId26"/>
   </p:sldIdLst>
   <p:sldSz cx="12192000" cy="6858000"/>
   <p:notesSz cx="6858000" cy="9144000"/>
@@ -114,6 +128,11 @@
       </a:defRPr>
     </a:lvl9pPr>
   </p:defaultTextStyle>
+  <p:extLst>
+    <p:ext uri="{EFAFB233-063F-42B5-8137-9DF3F51BA10A}">
+      <p15:sldGuideLst xmlns:p15="http://schemas.microsoft.com/office/powerpoint/2012/main"/>
+    </p:ext>
+  </p:extLst>
 </p:presentation>
 </file>
 
@@ -256,7 +275,7 @@
           <a:p>
             <a:fld id="{49BA2EDD-62D9-E84D-9B77-A3F33CE7895A}" type="datetimeFigureOut">
               <a:rPr lang="en-US" smtClean="0"/>
-              <a:t>2/7/22</a:t>
+              <a:t>2/14/25</a:t>
             </a:fld>
             <a:endParaRPr lang="en-US"/>
           </a:p>
@@ -467,7 +486,7 @@
           <a:p>
             <a:fld id="{49BA2EDD-62D9-E84D-9B77-A3F33CE7895A}" type="datetimeFigureOut">
               <a:rPr lang="en-US" smtClean="0"/>
-              <a:t>2/7/22</a:t>
+              <a:t>2/14/25</a:t>
             </a:fld>
             <a:endParaRPr lang="en-US"/>
           </a:p>
@@ -682,7 +701,7 @@
           <a:p>
             <a:fld id="{49BA2EDD-62D9-E84D-9B77-A3F33CE7895A}" type="datetimeFigureOut">
               <a:rPr lang="en-US" smtClean="0"/>
-              <a:t>2/7/22</a:t>
+              <a:t>2/14/25</a:t>
             </a:fld>
             <a:endParaRPr lang="en-US"/>
           </a:p>
@@ -883,7 +902,7 @@
           <a:p>
             <a:fld id="{49BA2EDD-62D9-E84D-9B77-A3F33CE7895A}" type="datetimeFigureOut">
               <a:rPr lang="en-US" smtClean="0"/>
-              <a:t>2/7/22</a:t>
+              <a:t>2/14/25</a:t>
             </a:fld>
             <a:endParaRPr lang="en-US"/>
           </a:p>
@@ -1162,7 +1181,7 @@
           <a:p>
             <a:fld id="{49BA2EDD-62D9-E84D-9B77-A3F33CE7895A}" type="datetimeFigureOut">
               <a:rPr lang="en-US" smtClean="0"/>
-              <a:t>2/7/22</a:t>
+              <a:t>2/14/25</a:t>
             </a:fld>
             <a:endParaRPr lang="en-US"/>
           </a:p>
@@ -1430,7 +1449,7 @@
           <a:p>
             <a:fld id="{49BA2EDD-62D9-E84D-9B77-A3F33CE7895A}" type="datetimeFigureOut">
               <a:rPr lang="en-US" smtClean="0"/>
-              <a:t>2/7/22</a:t>
+              <a:t>2/14/25</a:t>
             </a:fld>
             <a:endParaRPr lang="en-US"/>
           </a:p>
@@ -1846,7 +1865,7 @@
           <a:p>
             <a:fld id="{49BA2EDD-62D9-E84D-9B77-A3F33CE7895A}" type="datetimeFigureOut">
               <a:rPr lang="en-US" smtClean="0"/>
-              <a:t>2/7/22</a:t>
+              <a:t>2/14/25</a:t>
             </a:fld>
             <a:endParaRPr lang="en-US"/>
           </a:p>
@@ -1995,7 +2014,7 @@
           <a:p>
             <a:fld id="{49BA2EDD-62D9-E84D-9B77-A3F33CE7895A}" type="datetimeFigureOut">
               <a:rPr lang="en-US" smtClean="0"/>
-              <a:t>2/7/22</a:t>
+              <a:t>2/14/25</a:t>
             </a:fld>
             <a:endParaRPr lang="en-US"/>
           </a:p>
@@ -2121,7 +2140,7 @@
           <a:p>
             <a:fld id="{49BA2EDD-62D9-E84D-9B77-A3F33CE7895A}" type="datetimeFigureOut">
               <a:rPr lang="en-US" smtClean="0"/>
-              <a:t>2/7/22</a:t>
+              <a:t>2/14/25</a:t>
             </a:fld>
             <a:endParaRPr lang="en-US"/>
           </a:p>
@@ -2372,7 +2391,7 @@
           <a:p>
             <a:fld id="{49BA2EDD-62D9-E84D-9B77-A3F33CE7895A}" type="datetimeFigureOut">
               <a:rPr lang="en-US" smtClean="0"/>
-              <a:t>2/7/22</a:t>
+              <a:t>2/14/25</a:t>
             </a:fld>
             <a:endParaRPr lang="en-US"/>
           </a:p>
@@ -2817,7 +2836,7 @@
           <a:p>
             <a:fld id="{49BA2EDD-62D9-E84D-9B77-A3F33CE7895A}" type="datetimeFigureOut">
               <a:rPr lang="en-US" smtClean="0"/>
-              <a:t>2/7/22</a:t>
+              <a:t>2/14/25</a:t>
             </a:fld>
             <a:endParaRPr lang="en-US"/>
           </a:p>
@@ -3144,7 +3163,7 @@
           <a:p>
             <a:fld id="{49BA2EDD-62D9-E84D-9B77-A3F33CE7895A}" type="datetimeFigureOut">
               <a:rPr lang="en-US" smtClean="0"/>
-              <a:t>2/7/22</a:t>
+              <a:t>2/14/25</a:t>
             </a:fld>
             <a:endParaRPr lang="en-US"/>
           </a:p>
@@ -3635,7 +3654,7 @@
           <p:cNvPr id="2" name="Title 1">
             <a:extLst>
               <a:ext uri="{FF2B5EF4-FFF2-40B4-BE49-F238E27FC236}">
-                <a16:creationId xmlns:a16="http://schemas.microsoft.com/office/drawing/2014/main" id="{D26A5B35-D492-D144-B870-3D24E7DF0A5A}"/>
+                <a16:creationId xmlns:a16="http://schemas.microsoft.com/office/drawing/2014/main" id="{E833C305-975A-6990-8298-D9A761409C9C}"/>
               </a:ext>
             </a:extLst>
           </p:cNvPr>
@@ -3643,29 +3662,24 @@
             <a:spLocks noGrp="1"/>
           </p:cNvSpPr>
           <p:nvPr>
-            <p:ph type="ctrTitle"/>
+            <p:ph type="title"/>
           </p:nvPr>
         </p:nvSpPr>
         <p:spPr/>
         <p:txBody>
-          <a:bodyPr>
-            <a:normAutofit fontScale="90000"/>
-          </a:bodyPr>
-          <a:lstStyle/>
-          <a:p>
-            <a:r>
-              <a:rPr lang="en-US" dirty="0"/>
-              <a:t>PCA and Dimensionality Reduction</a:t>
-            </a:r>
-          </a:p>
-        </p:txBody>
-      </p:sp>
-      <p:sp>
-        <p:nvSpPr>
-          <p:cNvPr id="3" name="Subtitle 2">
+          <a:bodyPr/>
+          <a:lstStyle/>
+          <a:p>
+            <a:endParaRPr lang="en-US"/>
+          </a:p>
+        </p:txBody>
+      </p:sp>
+      <p:sp>
+        <p:nvSpPr>
+          <p:cNvPr id="3" name="Content Placeholder 2">
             <a:extLst>
               <a:ext uri="{FF2B5EF4-FFF2-40B4-BE49-F238E27FC236}">
-                <a16:creationId xmlns:a16="http://schemas.microsoft.com/office/drawing/2014/main" id="{AEFFDE8D-89E0-F546-9815-F818E8D708F0}"/>
+                <a16:creationId xmlns:a16="http://schemas.microsoft.com/office/drawing/2014/main" id="{91749E13-164E-4685-895C-6DBFD56FA6C3}"/>
               </a:ext>
             </a:extLst>
           </p:cNvPr>
@@ -3673,7 +3687,7 @@
             <a:spLocks noGrp="1"/>
           </p:cNvSpPr>
           <p:nvPr>
-            <p:ph type="subTitle" idx="1"/>
+            <p:ph idx="1"/>
           </p:nvPr>
         </p:nvSpPr>
         <p:spPr/>
@@ -3681,14 +3695,55 @@
           <a:bodyPr/>
           <a:lstStyle/>
           <a:p>
-            <a:endParaRPr lang="en-US"/>
+            <a:r>
+              <a:rPr lang="en-US" dirty="0"/>
+              <a:t>Embeddings in NLP – finish looking at the last bit. </a:t>
+            </a:r>
+          </a:p>
+          <a:p>
+            <a:r>
+              <a:rPr lang="en-US" dirty="0"/>
+              <a:t>SVD – there’s a detailed step-by-step thing in the repository </a:t>
+            </a:r>
+            <a:r>
+              <a:rPr lang="en-US"/>
+              <a:t>docs folder. </a:t>
+            </a:r>
+            <a:endParaRPr lang="en-US" dirty="0"/>
+          </a:p>
+          <a:p>
+            <a:r>
+              <a:rPr lang="en-US" dirty="0"/>
+              <a:t>Principle Component Analysis. </a:t>
+            </a:r>
+          </a:p>
+          <a:p>
+            <a:pPr lvl="1"/>
+            <a:r>
+              <a:rPr lang="en-US" dirty="0"/>
+              <a:t>Dimensional reduction. </a:t>
+            </a:r>
+          </a:p>
+          <a:p>
+            <a:pPr lvl="1"/>
+            <a:r>
+              <a:rPr lang="en-US" dirty="0"/>
+              <a:t>Some math background. </a:t>
+            </a:r>
+          </a:p>
+          <a:p>
+            <a:pPr lvl="1"/>
+            <a:r>
+              <a:rPr lang="en-US" dirty="0"/>
+              <a:t>Using it. </a:t>
+            </a:r>
           </a:p>
         </p:txBody>
       </p:sp>
     </p:spTree>
     <p:extLst>
       <p:ext uri="{BB962C8B-B14F-4D97-AF65-F5344CB8AC3E}">
-        <p14:creationId xmlns:p14="http://schemas.microsoft.com/office/powerpoint/2010/main" val="1432220351"/>
+        <p14:creationId xmlns:p14="http://schemas.microsoft.com/office/powerpoint/2010/main" val="1374097800"/>
       </p:ext>
     </p:extLst>
   </p:cSld>
@@ -3699,674 +3754,6 @@
 </file>
 
 <file path=ppt/slides/slide10.xml><?xml version="1.0" encoding="utf-8"?>
-<p:sld xmlns:a="http://schemas.openxmlformats.org/drawingml/2006/main" xmlns:r="http://schemas.openxmlformats.org/officeDocument/2006/relationships" xmlns:p="http://schemas.openxmlformats.org/presentationml/2006/main">
-  <p:cSld>
-    <p:spTree>
-      <p:nvGrpSpPr>
-        <p:cNvPr id="1" name=""/>
-        <p:cNvGrpSpPr/>
-        <p:nvPr/>
-      </p:nvGrpSpPr>
-      <p:grpSpPr>
-        <a:xfrm>
-          <a:off x="0" y="0"/>
-          <a:ext cx="0" cy="0"/>
-          <a:chOff x="0" y="0"/>
-          <a:chExt cx="0" cy="0"/>
-        </a:xfrm>
-      </p:grpSpPr>
-      <p:sp>
-        <p:nvSpPr>
-          <p:cNvPr id="2" name="Title 1">
-            <a:extLst>
-              <a:ext uri="{FF2B5EF4-FFF2-40B4-BE49-F238E27FC236}">
-                <a16:creationId xmlns:a16="http://schemas.microsoft.com/office/drawing/2014/main" id="{57DE54DA-2B8F-EF47-8188-3C90139C724D}"/>
-              </a:ext>
-            </a:extLst>
-          </p:cNvPr>
-          <p:cNvSpPr>
-            <a:spLocks noGrp="1"/>
-          </p:cNvSpPr>
-          <p:nvPr>
-            <p:ph type="title"/>
-          </p:nvPr>
-        </p:nvSpPr>
-        <p:spPr/>
-        <p:txBody>
-          <a:bodyPr/>
-          <a:lstStyle/>
-          <a:p>
-            <a:r>
-              <a:rPr lang="en-US" dirty="0"/>
-              <a:t>PCA and Feature selection</a:t>
-            </a:r>
-          </a:p>
-        </p:txBody>
-      </p:sp>
-      <p:sp>
-        <p:nvSpPr>
-          <p:cNvPr id="3" name="Content Placeholder 2">
-            <a:extLst>
-              <a:ext uri="{FF2B5EF4-FFF2-40B4-BE49-F238E27FC236}">
-                <a16:creationId xmlns:a16="http://schemas.microsoft.com/office/drawing/2014/main" id="{B37D785B-A1DC-CC4B-B756-ACF2A6265C65}"/>
-              </a:ext>
-            </a:extLst>
-          </p:cNvPr>
-          <p:cNvSpPr>
-            <a:spLocks noGrp="1"/>
-          </p:cNvSpPr>
-          <p:nvPr>
-            <p:ph idx="1"/>
-          </p:nvPr>
-        </p:nvSpPr>
-        <p:spPr>
-          <a:xfrm>
-            <a:off x="1451579" y="2015732"/>
-            <a:ext cx="9603275" cy="4037749"/>
-          </a:xfrm>
-        </p:spPr>
-        <p:txBody>
-          <a:bodyPr/>
-          <a:lstStyle/>
-          <a:p>
-            <a:r>
-              <a:rPr lang="en-US" dirty="0"/>
-              <a:t>PCA reduces dimensionality, just like feature selection. </a:t>
-            </a:r>
-          </a:p>
-          <a:p>
-            <a:r>
-              <a:rPr lang="en-US" dirty="0"/>
-              <a:t>PCA isn’t feature selection:</a:t>
-            </a:r>
-          </a:p>
-          <a:p>
-            <a:pPr lvl="1"/>
-            <a:r>
-              <a:rPr lang="en-US" dirty="0"/>
-              <a:t>Feature selection removes features. </a:t>
-            </a:r>
-          </a:p>
-          <a:p>
-            <a:pPr lvl="1"/>
-            <a:r>
-              <a:rPr lang="en-US" dirty="0"/>
-              <a:t>PCA removes components that are created from a mixture of those features. </a:t>
-            </a:r>
-          </a:p>
-          <a:p>
-            <a:pPr lvl="1"/>
-            <a:r>
-              <a:rPr lang="en-US" dirty="0"/>
-              <a:t>With PCA the features themselves aren’t removed. </a:t>
-            </a:r>
-          </a:p>
-          <a:p>
-            <a:r>
-              <a:rPr lang="en-US" dirty="0"/>
-              <a:t>In general:</a:t>
-            </a:r>
-          </a:p>
-          <a:p>
-            <a:pPr lvl="1"/>
-            <a:r>
-              <a:rPr lang="en-US" dirty="0"/>
-              <a:t>Feature selection is still good, especially if there are features that are minimally helpful. </a:t>
-            </a:r>
-          </a:p>
-          <a:p>
-            <a:pPr lvl="1"/>
-            <a:r>
-              <a:rPr lang="en-US" dirty="0"/>
-              <a:t>PCA is most useful when the dimensionality is very high. </a:t>
-            </a:r>
-          </a:p>
-          <a:p>
-            <a:pPr lvl="1"/>
-            <a:r>
-              <a:rPr lang="en-US" dirty="0"/>
-              <a:t>One, the other, or both may be useful - it depends on the scenario. </a:t>
-            </a:r>
-          </a:p>
-        </p:txBody>
-      </p:sp>
-    </p:spTree>
-    <p:extLst>
-      <p:ext uri="{BB962C8B-B14F-4D97-AF65-F5344CB8AC3E}">
-        <p14:creationId xmlns:p14="http://schemas.microsoft.com/office/powerpoint/2010/main" val="3699061146"/>
-      </p:ext>
-    </p:extLst>
-  </p:cSld>
-  <p:clrMapOvr>
-    <a:masterClrMapping/>
-  </p:clrMapOvr>
-</p:sld>
-</file>
-
-<file path=ppt/slides/slide11.xml><?xml version="1.0" encoding="utf-8"?>
-<p:sld xmlns:a="http://schemas.openxmlformats.org/drawingml/2006/main" xmlns:r="http://schemas.openxmlformats.org/officeDocument/2006/relationships" xmlns:p="http://schemas.openxmlformats.org/presentationml/2006/main">
-  <p:cSld>
-    <p:spTree>
-      <p:nvGrpSpPr>
-        <p:cNvPr id="1" name=""/>
-        <p:cNvGrpSpPr/>
-        <p:nvPr/>
-      </p:nvGrpSpPr>
-      <p:grpSpPr>
-        <a:xfrm>
-          <a:off x="0" y="0"/>
-          <a:ext cx="0" cy="0"/>
-          <a:chOff x="0" y="0"/>
-          <a:chExt cx="0" cy="0"/>
-        </a:xfrm>
-      </p:grpSpPr>
-      <p:sp>
-        <p:nvSpPr>
-          <p:cNvPr id="2" name="Title 1">
-            <a:extLst>
-              <a:ext uri="{FF2B5EF4-FFF2-40B4-BE49-F238E27FC236}">
-                <a16:creationId xmlns:a16="http://schemas.microsoft.com/office/drawing/2014/main" id="{3DACE651-EC8C-DD45-BB6E-DAD02431BA16}"/>
-              </a:ext>
-            </a:extLst>
-          </p:cNvPr>
-          <p:cNvSpPr>
-            <a:spLocks noGrp="1"/>
-          </p:cNvSpPr>
-          <p:nvPr>
-            <p:ph type="title"/>
-          </p:nvPr>
-        </p:nvSpPr>
-        <p:spPr/>
-        <p:txBody>
-          <a:bodyPr/>
-          <a:lstStyle/>
-          <a:p>
-            <a:r>
-              <a:rPr lang="en-US" dirty="0"/>
-              <a:t>PCA Conclusion</a:t>
-            </a:r>
-          </a:p>
-        </p:txBody>
-      </p:sp>
-      <p:sp>
-        <p:nvSpPr>
-          <p:cNvPr id="3" name="Content Placeholder 2">
-            <a:extLst>
-              <a:ext uri="{FF2B5EF4-FFF2-40B4-BE49-F238E27FC236}">
-                <a16:creationId xmlns:a16="http://schemas.microsoft.com/office/drawing/2014/main" id="{43488950-6E4D-0B49-B241-5F1A8E72A974}"/>
-              </a:ext>
-            </a:extLst>
-          </p:cNvPr>
-          <p:cNvSpPr>
-            <a:spLocks noGrp="1"/>
-          </p:cNvSpPr>
-          <p:nvPr>
-            <p:ph idx="1"/>
-          </p:nvPr>
-        </p:nvSpPr>
-        <p:spPr/>
-        <p:txBody>
-          <a:bodyPr/>
-          <a:lstStyle/>
-          <a:p>
-            <a:r>
-              <a:rPr lang="en-US" dirty="0"/>
-              <a:t>PCA is quite common, especially when there are a lot of features. </a:t>
-            </a:r>
-          </a:p>
-          <a:p>
-            <a:r>
-              <a:rPr lang="en-US" dirty="0"/>
-              <a:t>PCA does not work with categorical variables. </a:t>
-            </a:r>
-          </a:p>
-          <a:p>
-            <a:r>
-              <a:rPr lang="en-US" dirty="0"/>
-              <a:t>PCA needs scaling to be reliable. </a:t>
-            </a:r>
-          </a:p>
-          <a:p>
-            <a:r>
-              <a:rPr lang="en-US" dirty="0"/>
-              <a:t>PCA is susceptible to outliers. </a:t>
-            </a:r>
-          </a:p>
-        </p:txBody>
-      </p:sp>
-    </p:spTree>
-    <p:extLst>
-      <p:ext uri="{BB962C8B-B14F-4D97-AF65-F5344CB8AC3E}">
-        <p14:creationId xmlns:p14="http://schemas.microsoft.com/office/powerpoint/2010/main" val="4195797651"/>
-      </p:ext>
-    </p:extLst>
-  </p:cSld>
-  <p:clrMapOvr>
-    <a:masterClrMapping/>
-  </p:clrMapOvr>
-</p:sld>
-</file>
-
-<file path=ppt/slides/slide2.xml><?xml version="1.0" encoding="utf-8"?>
-<p:sld xmlns:a="http://schemas.openxmlformats.org/drawingml/2006/main" xmlns:r="http://schemas.openxmlformats.org/officeDocument/2006/relationships" xmlns:p="http://schemas.openxmlformats.org/presentationml/2006/main">
-  <p:cSld>
-    <p:spTree>
-      <p:nvGrpSpPr>
-        <p:cNvPr id="1" name=""/>
-        <p:cNvGrpSpPr/>
-        <p:nvPr/>
-      </p:nvGrpSpPr>
-      <p:grpSpPr>
-        <a:xfrm>
-          <a:off x="0" y="0"/>
-          <a:ext cx="0" cy="0"/>
-          <a:chOff x="0" y="0"/>
-          <a:chExt cx="0" cy="0"/>
-        </a:xfrm>
-      </p:grpSpPr>
-      <p:sp>
-        <p:nvSpPr>
-          <p:cNvPr id="2" name="Title 1">
-            <a:extLst>
-              <a:ext uri="{FF2B5EF4-FFF2-40B4-BE49-F238E27FC236}">
-                <a16:creationId xmlns:a16="http://schemas.microsoft.com/office/drawing/2014/main" id="{620E2A23-A96E-8F46-ADBF-ABF3D4E3BC0E}"/>
-              </a:ext>
-            </a:extLst>
-          </p:cNvPr>
-          <p:cNvSpPr>
-            <a:spLocks noGrp="1"/>
-          </p:cNvSpPr>
-          <p:nvPr>
-            <p:ph type="title"/>
-          </p:nvPr>
-        </p:nvSpPr>
-        <p:spPr/>
-        <p:txBody>
-          <a:bodyPr/>
-          <a:lstStyle/>
-          <a:p>
-            <a:r>
-              <a:rPr lang="en-US" dirty="0"/>
-              <a:t>Truncated SVD Review and PCA</a:t>
-            </a:r>
-          </a:p>
-        </p:txBody>
-      </p:sp>
-      <p:sp>
-        <p:nvSpPr>
-          <p:cNvPr id="3" name="Content Placeholder 2">
-            <a:extLst>
-              <a:ext uri="{FF2B5EF4-FFF2-40B4-BE49-F238E27FC236}">
-                <a16:creationId xmlns:a16="http://schemas.microsoft.com/office/drawing/2014/main" id="{D591EA10-72EC-D74C-89BC-ED4C5EC4E046}"/>
-              </a:ext>
-            </a:extLst>
-          </p:cNvPr>
-          <p:cNvSpPr>
-            <a:spLocks noGrp="1"/>
-          </p:cNvSpPr>
-          <p:nvPr>
-            <p:ph idx="1"/>
-          </p:nvPr>
-        </p:nvSpPr>
-        <p:spPr/>
-        <p:txBody>
-          <a:bodyPr/>
-          <a:lstStyle/>
-          <a:p>
-            <a:r>
-              <a:rPr lang="en-US" dirty="0"/>
-              <a:t>In processing text we looked at Truncated SVD. </a:t>
-            </a:r>
-          </a:p>
-          <a:p>
-            <a:r>
-              <a:rPr lang="en-US" dirty="0"/>
-              <a:t>TSVD took high dimension features (from text) and transformed it to a much lower dimension feature set. </a:t>
-            </a:r>
-          </a:p>
-          <a:p>
-            <a:r>
-              <a:rPr lang="en-US" dirty="0"/>
-              <a:t>Truncated SVD is one algorithm for dimensional reduction. </a:t>
-            </a:r>
-          </a:p>
-          <a:p>
-            <a:endParaRPr lang="en-US" dirty="0"/>
-          </a:p>
-          <a:p>
-            <a:r>
-              <a:rPr lang="en-US" dirty="0"/>
-              <a:t>PCA – Principal component analysis is another dimensionality reduction method that is very common in general predictive modelling. </a:t>
-            </a:r>
-          </a:p>
-        </p:txBody>
-      </p:sp>
-    </p:spTree>
-    <p:extLst>
-      <p:ext uri="{BB962C8B-B14F-4D97-AF65-F5344CB8AC3E}">
-        <p14:creationId xmlns:p14="http://schemas.microsoft.com/office/powerpoint/2010/main" val="3323265559"/>
-      </p:ext>
-    </p:extLst>
-  </p:cSld>
-  <p:clrMapOvr>
-    <a:masterClrMapping/>
-  </p:clrMapOvr>
-</p:sld>
-</file>
-
-<file path=ppt/slides/slide3.xml><?xml version="1.0" encoding="utf-8"?>
-<p:sld xmlns:a="http://schemas.openxmlformats.org/drawingml/2006/main" xmlns:r="http://schemas.openxmlformats.org/officeDocument/2006/relationships" xmlns:p="http://schemas.openxmlformats.org/presentationml/2006/main">
-  <p:cSld>
-    <p:spTree>
-      <p:nvGrpSpPr>
-        <p:cNvPr id="1" name=""/>
-        <p:cNvGrpSpPr/>
-        <p:nvPr/>
-      </p:nvGrpSpPr>
-      <p:grpSpPr>
-        <a:xfrm>
-          <a:off x="0" y="0"/>
-          <a:ext cx="0" cy="0"/>
-          <a:chOff x="0" y="0"/>
-          <a:chExt cx="0" cy="0"/>
-        </a:xfrm>
-      </p:grpSpPr>
-      <p:sp>
-        <p:nvSpPr>
-          <p:cNvPr id="2" name="Title 1">
-            <a:extLst>
-              <a:ext uri="{FF2B5EF4-FFF2-40B4-BE49-F238E27FC236}">
-                <a16:creationId xmlns:a16="http://schemas.microsoft.com/office/drawing/2014/main" id="{BFAE40F4-111C-7644-87D5-7B34675A0A7D}"/>
-              </a:ext>
-            </a:extLst>
-          </p:cNvPr>
-          <p:cNvSpPr>
-            <a:spLocks noGrp="1"/>
-          </p:cNvSpPr>
-          <p:nvPr>
-            <p:ph type="title"/>
-          </p:nvPr>
-        </p:nvSpPr>
-        <p:spPr/>
-        <p:txBody>
-          <a:bodyPr/>
-          <a:lstStyle/>
-          <a:p>
-            <a:r>
-              <a:rPr lang="en-US" dirty="0"/>
-              <a:t>Unsupervised vs Supervised</a:t>
-            </a:r>
-          </a:p>
-        </p:txBody>
-      </p:sp>
-      <p:sp>
-        <p:nvSpPr>
-          <p:cNvPr id="3" name="Content Placeholder 2">
-            <a:extLst>
-              <a:ext uri="{FF2B5EF4-FFF2-40B4-BE49-F238E27FC236}">
-                <a16:creationId xmlns:a16="http://schemas.microsoft.com/office/drawing/2014/main" id="{1F12DE0A-1EC7-4A47-B62E-41547D564E22}"/>
-              </a:ext>
-            </a:extLst>
-          </p:cNvPr>
-          <p:cNvSpPr>
-            <a:spLocks noGrp="1"/>
-          </p:cNvSpPr>
-          <p:nvPr>
-            <p:ph idx="1"/>
-          </p:nvPr>
-        </p:nvSpPr>
-        <p:spPr>
-          <a:xfrm>
-            <a:off x="1451579" y="2015732"/>
-            <a:ext cx="9603275" cy="4037749"/>
-          </a:xfrm>
-        </p:spPr>
-        <p:txBody>
-          <a:bodyPr>
-            <a:normAutofit lnSpcReduction="10000"/>
-          </a:bodyPr>
-          <a:lstStyle/>
-          <a:p>
-            <a:r>
-              <a:rPr lang="en-US" dirty="0"/>
-              <a:t>PCA (and SVD) are both examples of Unsupervised Learning. </a:t>
-            </a:r>
-          </a:p>
-          <a:p>
-            <a:r>
-              <a:rPr lang="en-US" dirty="0"/>
-              <a:t>Classification and regression are examples of Supervised Learning. </a:t>
-            </a:r>
-          </a:p>
-          <a:p>
-            <a:endParaRPr lang="en-US" dirty="0"/>
-          </a:p>
-          <a:p>
-            <a:r>
-              <a:rPr lang="en-US" dirty="0"/>
-              <a:t>Supervised learning has labeled training data, unsupervised does not. </a:t>
-            </a:r>
-          </a:p>
-          <a:p>
-            <a:r>
-              <a:rPr lang="en-US" dirty="0"/>
-              <a:t>Unsupervised learning classes:</a:t>
-            </a:r>
-          </a:p>
-          <a:p>
-            <a:pPr lvl="1"/>
-            <a:r>
-              <a:rPr lang="en-US" dirty="0"/>
-              <a:t>Dimensional reduction (SVD and PCA). </a:t>
-            </a:r>
-          </a:p>
-          <a:p>
-            <a:pPr lvl="1"/>
-            <a:r>
-              <a:rPr lang="en-US" dirty="0"/>
-              <a:t>Clustering (next class)</a:t>
-            </a:r>
-          </a:p>
-          <a:p>
-            <a:pPr lvl="1"/>
-            <a:r>
-              <a:rPr lang="en-US" dirty="0"/>
-              <a:t>Association (e.g. market basket, such as Target’s pregnancy scoring)</a:t>
-            </a:r>
-          </a:p>
-          <a:p>
-            <a:r>
-              <a:rPr lang="en-US" dirty="0"/>
-              <a:t>Unsupervised learning generally looks to discover the underlying structure in data. </a:t>
-            </a:r>
-          </a:p>
-        </p:txBody>
-      </p:sp>
-    </p:spTree>
-    <p:extLst>
-      <p:ext uri="{BB962C8B-B14F-4D97-AF65-F5344CB8AC3E}">
-        <p14:creationId xmlns:p14="http://schemas.microsoft.com/office/powerpoint/2010/main" val="3787851192"/>
-      </p:ext>
-    </p:extLst>
-  </p:cSld>
-  <p:clrMapOvr>
-    <a:masterClrMapping/>
-  </p:clrMapOvr>
-</p:sld>
-</file>
-
-<file path=ppt/slides/slide4.xml><?xml version="1.0" encoding="utf-8"?>
-<p:sld xmlns:a="http://schemas.openxmlformats.org/drawingml/2006/main" xmlns:r="http://schemas.openxmlformats.org/officeDocument/2006/relationships" xmlns:p="http://schemas.openxmlformats.org/presentationml/2006/main">
-  <p:cSld>
-    <p:spTree>
-      <p:nvGrpSpPr>
-        <p:cNvPr id="1" name=""/>
-        <p:cNvGrpSpPr/>
-        <p:nvPr/>
-      </p:nvGrpSpPr>
-      <p:grpSpPr>
-        <a:xfrm>
-          <a:off x="0" y="0"/>
-          <a:ext cx="0" cy="0"/>
-          <a:chOff x="0" y="0"/>
-          <a:chExt cx="0" cy="0"/>
-        </a:xfrm>
-      </p:grpSpPr>
-      <p:sp>
-        <p:nvSpPr>
-          <p:cNvPr id="2" name="Title 1">
-            <a:extLst>
-              <a:ext uri="{FF2B5EF4-FFF2-40B4-BE49-F238E27FC236}">
-                <a16:creationId xmlns:a16="http://schemas.microsoft.com/office/drawing/2014/main" id="{233D0EF0-4F67-124B-B0A3-076C4492CF39}"/>
-              </a:ext>
-            </a:extLst>
-          </p:cNvPr>
-          <p:cNvSpPr>
-            <a:spLocks noGrp="1"/>
-          </p:cNvSpPr>
-          <p:nvPr>
-            <p:ph type="title"/>
-          </p:nvPr>
-        </p:nvSpPr>
-        <p:spPr/>
-        <p:txBody>
-          <a:bodyPr/>
-          <a:lstStyle/>
-          <a:p>
-            <a:r>
-              <a:rPr lang="en-US" dirty="0"/>
-              <a:t>Principal Component Analysis</a:t>
-            </a:r>
-          </a:p>
-        </p:txBody>
-      </p:sp>
-      <p:sp>
-        <p:nvSpPr>
-          <p:cNvPr id="3" name="Content Placeholder 2">
-            <a:extLst>
-              <a:ext uri="{FF2B5EF4-FFF2-40B4-BE49-F238E27FC236}">
-                <a16:creationId xmlns:a16="http://schemas.microsoft.com/office/drawing/2014/main" id="{2D6E3592-3C9D-0847-A557-0AFB18FB5E40}"/>
-              </a:ext>
-            </a:extLst>
-          </p:cNvPr>
-          <p:cNvSpPr>
-            <a:spLocks noGrp="1"/>
-          </p:cNvSpPr>
-          <p:nvPr>
-            <p:ph idx="1"/>
-          </p:nvPr>
-        </p:nvSpPr>
-        <p:spPr>
-          <a:xfrm>
-            <a:off x="156117" y="2015732"/>
-            <a:ext cx="7233225" cy="4037749"/>
-          </a:xfrm>
-        </p:spPr>
-        <p:txBody>
-          <a:bodyPr>
-            <a:normAutofit/>
-          </a:bodyPr>
-          <a:lstStyle/>
-          <a:p>
-            <a:r>
-              <a:rPr lang="en-US" dirty="0"/>
-              <a:t>PCA is a general method of dimensional reduction. </a:t>
-            </a:r>
-          </a:p>
-          <a:p>
-            <a:r>
-              <a:rPr lang="en-US" dirty="0"/>
-              <a:t>Data is broken down into “principal components”, and only the most influential are kept. </a:t>
-            </a:r>
-          </a:p>
-          <a:p>
-            <a:pPr lvl="1"/>
-            <a:r>
-              <a:rPr lang="en-US" dirty="0"/>
-              <a:t>Principal components are linear combinations of original variables. </a:t>
-            </a:r>
-          </a:p>
-          <a:p>
-            <a:pPr lvl="1"/>
-            <a:r>
-              <a:rPr lang="en-US" dirty="0"/>
-              <a:t>The components are uncorrelated with each other. </a:t>
-            </a:r>
-          </a:p>
-          <a:p>
-            <a:pPr lvl="1"/>
-            <a:r>
-              <a:rPr lang="en-US" dirty="0"/>
-              <a:t>The first ”few” components contain most of the information. </a:t>
-            </a:r>
-          </a:p>
-          <a:p>
-            <a:r>
-              <a:rPr lang="en-US" dirty="0"/>
-              <a:t>Components are orthogonal to each other. </a:t>
-            </a:r>
-          </a:p>
-        </p:txBody>
-      </p:sp>
-      <p:pic>
-        <p:nvPicPr>
-          <p:cNvPr id="1026" name="Picture 2" descr="Principal Component Analysis second principal">
-            <a:extLst>
-              <a:ext uri="{FF2B5EF4-FFF2-40B4-BE49-F238E27FC236}">
-                <a16:creationId xmlns:a16="http://schemas.microsoft.com/office/drawing/2014/main" id="{B6ED1B50-853C-9446-9FFF-CD88A3D12D17}"/>
-              </a:ext>
-            </a:extLst>
-          </p:cNvPr>
-          <p:cNvPicPr>
-            <a:picLocks noChangeAspect="1" noChangeArrowheads="1"/>
-          </p:cNvPicPr>
-          <p:nvPr/>
-        </p:nvPicPr>
-        <p:blipFill rotWithShape="1">
-          <a:blip r:embed="rId2">
-            <a:extLst>
-              <a:ext uri="{28A0092B-C50C-407E-A947-70E740481C1C}">
-                <a14:useLocalDpi xmlns:a14="http://schemas.microsoft.com/office/drawing/2010/main" val="0"/>
-              </a:ext>
-            </a:extLst>
-          </a:blip>
-          <a:srcRect l="32433" t="4518" r="29357" b="3505"/>
-          <a:stretch/>
-        </p:blipFill>
-        <p:spPr bwMode="auto">
-          <a:xfrm>
-            <a:off x="7533503" y="1853754"/>
-            <a:ext cx="4658497" cy="4485503"/>
-          </a:xfrm>
-          <a:prstGeom prst="rect">
-            <a:avLst/>
-          </a:prstGeom>
-          <a:noFill/>
-          <a:extLst>
-            <a:ext uri="{909E8E84-426E-40DD-AFC4-6F175D3DCCD1}">
-              <a14:hiddenFill xmlns:a14="http://schemas.microsoft.com/office/drawing/2010/main">
-                <a:solidFill>
-                  <a:srgbClr val="FFFFFF"/>
-                </a:solidFill>
-              </a14:hiddenFill>
-            </a:ext>
-          </a:extLst>
-        </p:spPr>
-      </p:pic>
-    </p:spTree>
-    <p:extLst>
-      <p:ext uri="{BB962C8B-B14F-4D97-AF65-F5344CB8AC3E}">
-        <p14:creationId xmlns:p14="http://schemas.microsoft.com/office/powerpoint/2010/main" val="2858498554"/>
-      </p:ext>
-    </p:extLst>
-  </p:cSld>
-  <p:clrMapOvr>
-    <a:masterClrMapping/>
-  </p:clrMapOvr>
-</p:sld>
-</file>
-
-<file path=ppt/slides/slide5.xml><?xml version="1.0" encoding="utf-8"?>
 <p:sld xmlns:a="http://schemas.openxmlformats.org/drawingml/2006/main" xmlns:r="http://schemas.openxmlformats.org/officeDocument/2006/relationships" xmlns:p="http://schemas.openxmlformats.org/presentationml/2006/main">
   <p:cSld>
     <p:bg>
@@ -4575,6 +3962,2921 @@
 </p:sld>
 </file>
 
+<file path=ppt/slides/slide11.xml><?xml version="1.0" encoding="utf-8"?>
+<p:sld xmlns:a="http://schemas.openxmlformats.org/drawingml/2006/main" xmlns:r="http://schemas.openxmlformats.org/officeDocument/2006/relationships" xmlns:p="http://schemas.openxmlformats.org/presentationml/2006/main">
+  <p:cSld>
+    <p:spTree>
+      <p:nvGrpSpPr>
+        <p:cNvPr id="1" name=""/>
+        <p:cNvGrpSpPr/>
+        <p:nvPr/>
+      </p:nvGrpSpPr>
+      <p:grpSpPr>
+        <a:xfrm>
+          <a:off x="0" y="0"/>
+          <a:ext cx="0" cy="0"/>
+          <a:chOff x="0" y="0"/>
+          <a:chExt cx="0" cy="0"/>
+        </a:xfrm>
+      </p:grpSpPr>
+      <p:sp>
+        <p:nvSpPr>
+          <p:cNvPr id="2" name="Title 1">
+            <a:extLst>
+              <a:ext uri="{FF2B5EF4-FFF2-40B4-BE49-F238E27FC236}">
+                <a16:creationId xmlns:a16="http://schemas.microsoft.com/office/drawing/2014/main" id="{1EEDE371-6D64-D54F-A577-DA723AA41705}"/>
+              </a:ext>
+            </a:extLst>
+          </p:cNvPr>
+          <p:cNvSpPr>
+            <a:spLocks noGrp="1"/>
+          </p:cNvSpPr>
+          <p:nvPr>
+            <p:ph type="title"/>
+          </p:nvPr>
+        </p:nvSpPr>
+        <p:spPr/>
+        <p:txBody>
+          <a:bodyPr/>
+          <a:lstStyle/>
+          <a:p>
+            <a:r>
+              <a:rPr lang="en-US" dirty="0"/>
+              <a:t>PCA Transformation</a:t>
+            </a:r>
+          </a:p>
+        </p:txBody>
+      </p:sp>
+      <p:sp>
+        <p:nvSpPr>
+          <p:cNvPr id="3" name="Content Placeholder 2">
+            <a:extLst>
+              <a:ext uri="{FF2B5EF4-FFF2-40B4-BE49-F238E27FC236}">
+                <a16:creationId xmlns:a16="http://schemas.microsoft.com/office/drawing/2014/main" id="{77F4B33E-A241-EF43-BD5C-649D23F2AB90}"/>
+              </a:ext>
+            </a:extLst>
+          </p:cNvPr>
+          <p:cNvSpPr>
+            <a:spLocks noGrp="1"/>
+          </p:cNvSpPr>
+          <p:nvPr>
+            <p:ph idx="1"/>
+          </p:nvPr>
+        </p:nvSpPr>
+        <p:spPr>
+          <a:xfrm>
+            <a:off x="1451579" y="1853754"/>
+            <a:ext cx="9603275" cy="787843"/>
+          </a:xfrm>
+        </p:spPr>
+        <p:txBody>
+          <a:bodyPr/>
+          <a:lstStyle/>
+          <a:p>
+            <a:r>
+              <a:rPr lang="en-US" dirty="0"/>
+              <a:t>We can plot data on an axis of its components. </a:t>
+            </a:r>
+          </a:p>
+        </p:txBody>
+      </p:sp>
+      <p:pic>
+        <p:nvPicPr>
+          <p:cNvPr id="3074" name="Picture 2" descr="In Depth: Principal Component Analysis | Python Data Science Handbook">
+            <a:extLst>
+              <a:ext uri="{FF2B5EF4-FFF2-40B4-BE49-F238E27FC236}">
+                <a16:creationId xmlns:a16="http://schemas.microsoft.com/office/drawing/2014/main" id="{D97749E8-AA1C-D848-BEA9-5075C25628D8}"/>
+              </a:ext>
+            </a:extLst>
+          </p:cNvPr>
+          <p:cNvPicPr>
+            <a:picLocks noChangeAspect="1" noChangeArrowheads="1"/>
+          </p:cNvPicPr>
+          <p:nvPr/>
+        </p:nvPicPr>
+        <p:blipFill rotWithShape="1">
+          <a:blip r:embed="rId2">
+            <a:extLst>
+              <a:ext uri="{28A0092B-C50C-407E-A947-70E740481C1C}">
+                <a14:useLocalDpi xmlns:a14="http://schemas.microsoft.com/office/drawing/2010/main" val="0"/>
+              </a:ext>
+            </a:extLst>
+          </a:blip>
+          <a:srcRect t="4206" b="4365"/>
+          <a:stretch/>
+        </p:blipFill>
+        <p:spPr bwMode="auto">
+          <a:xfrm>
+            <a:off x="0" y="2641596"/>
+            <a:ext cx="12192000" cy="4180114"/>
+          </a:xfrm>
+          <a:prstGeom prst="rect">
+            <a:avLst/>
+          </a:prstGeom>
+          <a:noFill/>
+          <a:extLst>
+            <a:ext uri="{909E8E84-426E-40DD-AFC4-6F175D3DCCD1}">
+              <a14:hiddenFill xmlns:a14="http://schemas.microsoft.com/office/drawing/2010/main">
+                <a:solidFill>
+                  <a:srgbClr val="FFFFFF"/>
+                </a:solidFill>
+              </a14:hiddenFill>
+            </a:ext>
+          </a:extLst>
+        </p:spPr>
+      </p:pic>
+    </p:spTree>
+    <p:extLst>
+      <p:ext uri="{BB962C8B-B14F-4D97-AF65-F5344CB8AC3E}">
+        <p14:creationId xmlns:p14="http://schemas.microsoft.com/office/powerpoint/2010/main" val="992784107"/>
+      </p:ext>
+    </p:extLst>
+  </p:cSld>
+  <p:clrMapOvr>
+    <a:masterClrMapping/>
+  </p:clrMapOvr>
+</p:sld>
+</file>
+
+<file path=ppt/slides/slide12.xml><?xml version="1.0" encoding="utf-8"?>
+<p:sld xmlns:a="http://schemas.openxmlformats.org/drawingml/2006/main" xmlns:r="http://schemas.openxmlformats.org/officeDocument/2006/relationships" xmlns:p="http://schemas.openxmlformats.org/presentationml/2006/main">
+  <p:cSld>
+    <p:spTree>
+      <p:nvGrpSpPr>
+        <p:cNvPr id="1" name=""/>
+        <p:cNvGrpSpPr/>
+        <p:nvPr/>
+      </p:nvGrpSpPr>
+      <p:grpSpPr>
+        <a:xfrm>
+          <a:off x="0" y="0"/>
+          <a:ext cx="0" cy="0"/>
+          <a:chOff x="0" y="0"/>
+          <a:chExt cx="0" cy="0"/>
+        </a:xfrm>
+      </p:grpSpPr>
+      <p:sp>
+        <p:nvSpPr>
+          <p:cNvPr id="2" name="Title 1">
+            <a:extLst>
+              <a:ext uri="{FF2B5EF4-FFF2-40B4-BE49-F238E27FC236}">
+                <a16:creationId xmlns:a16="http://schemas.microsoft.com/office/drawing/2014/main" id="{10E5FA4F-D0DC-9D45-B149-BC20B2D3ABA0}"/>
+              </a:ext>
+            </a:extLst>
+          </p:cNvPr>
+          <p:cNvSpPr>
+            <a:spLocks noGrp="1"/>
+          </p:cNvSpPr>
+          <p:nvPr>
+            <p:ph type="title"/>
+          </p:nvPr>
+        </p:nvSpPr>
+        <p:spPr/>
+        <p:txBody>
+          <a:bodyPr/>
+          <a:lstStyle/>
+          <a:p>
+            <a:r>
+              <a:rPr lang="en-US" dirty="0"/>
+              <a:t>In 3D</a:t>
+            </a:r>
+          </a:p>
+        </p:txBody>
+      </p:sp>
+      <p:sp>
+        <p:nvSpPr>
+          <p:cNvPr id="3" name="Content Placeholder 2">
+            <a:extLst>
+              <a:ext uri="{FF2B5EF4-FFF2-40B4-BE49-F238E27FC236}">
+                <a16:creationId xmlns:a16="http://schemas.microsoft.com/office/drawing/2014/main" id="{069AF74A-F121-354A-95E8-DEB01FFB1726}"/>
+              </a:ext>
+            </a:extLst>
+          </p:cNvPr>
+          <p:cNvSpPr>
+            <a:spLocks noGrp="1"/>
+          </p:cNvSpPr>
+          <p:nvPr>
+            <p:ph idx="1"/>
+          </p:nvPr>
+        </p:nvSpPr>
+        <p:spPr/>
+        <p:txBody>
+          <a:bodyPr/>
+          <a:lstStyle/>
+          <a:p>
+            <a:endParaRPr lang="en-US"/>
+          </a:p>
+        </p:txBody>
+      </p:sp>
+      <p:pic>
+        <p:nvPicPr>
+          <p:cNvPr id="4098" name="Picture 2" descr="SVD and PCA - csci5740g">
+            <a:extLst>
+              <a:ext uri="{FF2B5EF4-FFF2-40B4-BE49-F238E27FC236}">
+                <a16:creationId xmlns:a16="http://schemas.microsoft.com/office/drawing/2014/main" id="{68094361-5DB0-CA4A-BC19-DFDBB765F631}"/>
+              </a:ext>
+            </a:extLst>
+          </p:cNvPr>
+          <p:cNvPicPr>
+            <a:picLocks noChangeAspect="1" noChangeArrowheads="1"/>
+          </p:cNvPicPr>
+          <p:nvPr/>
+        </p:nvPicPr>
+        <p:blipFill rotWithShape="1">
+          <a:blip r:embed="rId2">
+            <a:extLst>
+              <a:ext uri="{28A0092B-C50C-407E-A947-70E740481C1C}">
+                <a14:useLocalDpi xmlns:a14="http://schemas.microsoft.com/office/drawing/2010/main" val="0"/>
+              </a:ext>
+            </a:extLst>
+          </a:blip>
+          <a:srcRect l="3434" t="6623" r="1976" b="5065"/>
+          <a:stretch/>
+        </p:blipFill>
+        <p:spPr bwMode="auto">
+          <a:xfrm>
+            <a:off x="537028" y="1611086"/>
+            <a:ext cx="11292115" cy="3701143"/>
+          </a:xfrm>
+          <a:prstGeom prst="rect">
+            <a:avLst/>
+          </a:prstGeom>
+          <a:noFill/>
+          <a:extLst>
+            <a:ext uri="{909E8E84-426E-40DD-AFC4-6F175D3DCCD1}">
+              <a14:hiddenFill xmlns:a14="http://schemas.microsoft.com/office/drawing/2010/main">
+                <a:solidFill>
+                  <a:srgbClr val="FFFFFF"/>
+                </a:solidFill>
+              </a14:hiddenFill>
+            </a:ext>
+          </a:extLst>
+        </p:spPr>
+      </p:pic>
+    </p:spTree>
+    <p:extLst>
+      <p:ext uri="{BB962C8B-B14F-4D97-AF65-F5344CB8AC3E}">
+        <p14:creationId xmlns:p14="http://schemas.microsoft.com/office/powerpoint/2010/main" val="3632387029"/>
+      </p:ext>
+    </p:extLst>
+  </p:cSld>
+  <p:clrMapOvr>
+    <a:masterClrMapping/>
+  </p:clrMapOvr>
+</p:sld>
+</file>
+
+<file path=ppt/slides/slide13.xml><?xml version="1.0" encoding="utf-8"?>
+<p:sld xmlns:a="http://schemas.openxmlformats.org/drawingml/2006/main" xmlns:r="http://schemas.openxmlformats.org/officeDocument/2006/relationships" xmlns:p="http://schemas.openxmlformats.org/presentationml/2006/main">
+  <p:cSld>
+    <p:spTree>
+      <p:nvGrpSpPr>
+        <p:cNvPr id="1" name=""/>
+        <p:cNvGrpSpPr/>
+        <p:nvPr/>
+      </p:nvGrpSpPr>
+      <p:grpSpPr>
+        <a:xfrm>
+          <a:off x="0" y="0"/>
+          <a:ext cx="0" cy="0"/>
+          <a:chOff x="0" y="0"/>
+          <a:chExt cx="0" cy="0"/>
+        </a:xfrm>
+      </p:grpSpPr>
+      <p:sp>
+        <p:nvSpPr>
+          <p:cNvPr id="2" name="Title 1">
+            <a:extLst>
+              <a:ext uri="{FF2B5EF4-FFF2-40B4-BE49-F238E27FC236}">
+                <a16:creationId xmlns:a16="http://schemas.microsoft.com/office/drawing/2014/main" id="{D85A5918-8D3B-1C58-C3B8-F2C88C259E36}"/>
+              </a:ext>
+            </a:extLst>
+          </p:cNvPr>
+          <p:cNvSpPr>
+            <a:spLocks noGrp="1"/>
+          </p:cNvSpPr>
+          <p:nvPr>
+            <p:ph type="title"/>
+          </p:nvPr>
+        </p:nvSpPr>
+        <p:spPr/>
+        <p:txBody>
+          <a:bodyPr/>
+          <a:lstStyle/>
+          <a:p>
+            <a:r>
+              <a:rPr lang="en-US" dirty="0"/>
+              <a:t>What’s the Math Doing?</a:t>
+            </a:r>
+          </a:p>
+        </p:txBody>
+      </p:sp>
+      <p:sp>
+        <p:nvSpPr>
+          <p:cNvPr id="3" name="Content Placeholder 2">
+            <a:extLst>
+              <a:ext uri="{FF2B5EF4-FFF2-40B4-BE49-F238E27FC236}">
+                <a16:creationId xmlns:a16="http://schemas.microsoft.com/office/drawing/2014/main" id="{39A15020-ADFB-7E51-B1CA-C2DF0D4C65A6}"/>
+              </a:ext>
+            </a:extLst>
+          </p:cNvPr>
+          <p:cNvSpPr>
+            <a:spLocks noGrp="1"/>
+          </p:cNvSpPr>
+          <p:nvPr>
+            <p:ph idx="1"/>
+          </p:nvPr>
+        </p:nvSpPr>
+        <p:spPr>
+          <a:xfrm>
+            <a:off x="1451579" y="2015732"/>
+            <a:ext cx="9710064" cy="3858294"/>
+          </a:xfrm>
+        </p:spPr>
+        <p:txBody>
+          <a:bodyPr/>
+          <a:lstStyle/>
+          <a:p>
+            <a:r>
+              <a:rPr lang="en-US" dirty="0"/>
+              <a:t>We can look at the math for PCA, it is relatively straightforward. </a:t>
+            </a:r>
+          </a:p>
+          <a:p>
+            <a:pPr lvl="1"/>
+            <a:r>
+              <a:rPr lang="en-US" dirty="0"/>
+              <a:t>If your linear algebra skills are up to snuff, you can do small ones by hand, but not needed.</a:t>
+            </a:r>
+          </a:p>
+          <a:p>
+            <a:r>
+              <a:rPr lang="en-US" dirty="0"/>
+              <a:t>Our PCA function gives us the end result, after the last step of math-</a:t>
+            </a:r>
+            <a:r>
+              <a:rPr lang="en-US" dirty="0" err="1"/>
+              <a:t>ing</a:t>
+            </a:r>
+            <a:r>
+              <a:rPr lang="en-US" dirty="0"/>
+              <a:t>. </a:t>
+            </a:r>
+          </a:p>
+        </p:txBody>
+      </p:sp>
+    </p:spTree>
+    <p:extLst>
+      <p:ext uri="{BB962C8B-B14F-4D97-AF65-F5344CB8AC3E}">
+        <p14:creationId xmlns:p14="http://schemas.microsoft.com/office/powerpoint/2010/main" val="1614135808"/>
+      </p:ext>
+    </p:extLst>
+  </p:cSld>
+  <p:clrMapOvr>
+    <a:masterClrMapping/>
+  </p:clrMapOvr>
+</p:sld>
+</file>
+
+<file path=ppt/slides/slide14.xml><?xml version="1.0" encoding="utf-8"?>
+<p:sld xmlns:a="http://schemas.openxmlformats.org/drawingml/2006/main" xmlns:r="http://schemas.openxmlformats.org/officeDocument/2006/relationships" xmlns:p="http://schemas.openxmlformats.org/presentationml/2006/main">
+  <p:cSld>
+    <p:spTree>
+      <p:nvGrpSpPr>
+        <p:cNvPr id="1" name=""/>
+        <p:cNvGrpSpPr/>
+        <p:nvPr/>
+      </p:nvGrpSpPr>
+      <p:grpSpPr>
+        <a:xfrm>
+          <a:off x="0" y="0"/>
+          <a:ext cx="0" cy="0"/>
+          <a:chOff x="0" y="0"/>
+          <a:chExt cx="0" cy="0"/>
+        </a:xfrm>
+      </p:grpSpPr>
+      <p:sp>
+        <p:nvSpPr>
+          <p:cNvPr id="2" name="Title 1">
+            <a:extLst>
+              <a:ext uri="{FF2B5EF4-FFF2-40B4-BE49-F238E27FC236}">
+                <a16:creationId xmlns:a16="http://schemas.microsoft.com/office/drawing/2014/main" id="{053F2677-E04B-9631-F0E5-E118CA55E6B1}"/>
+              </a:ext>
+            </a:extLst>
+          </p:cNvPr>
+          <p:cNvSpPr>
+            <a:spLocks noGrp="1"/>
+          </p:cNvSpPr>
+          <p:nvPr>
+            <p:ph type="title"/>
+          </p:nvPr>
+        </p:nvSpPr>
+        <p:spPr/>
+        <p:txBody>
+          <a:bodyPr/>
+          <a:lstStyle/>
+          <a:p>
+            <a:r>
+              <a:rPr lang="en-US" dirty="0"/>
+              <a:t>Dataset</a:t>
+            </a:r>
+          </a:p>
+        </p:txBody>
+      </p:sp>
+      <p:sp>
+        <p:nvSpPr>
+          <p:cNvPr id="3" name="Content Placeholder 2">
+            <a:extLst>
+              <a:ext uri="{FF2B5EF4-FFF2-40B4-BE49-F238E27FC236}">
+                <a16:creationId xmlns:a16="http://schemas.microsoft.com/office/drawing/2014/main" id="{22CAD7F3-F6D5-9D9F-2AD7-A58DCC4F6A82}"/>
+              </a:ext>
+            </a:extLst>
+          </p:cNvPr>
+          <p:cNvSpPr>
+            <a:spLocks noGrp="1"/>
+          </p:cNvSpPr>
+          <p:nvPr>
+            <p:ph idx="1"/>
+          </p:nvPr>
+        </p:nvSpPr>
+        <p:spPr/>
+        <p:txBody>
+          <a:bodyPr/>
+          <a:lstStyle/>
+          <a:p>
+            <a:r>
+              <a:rPr lang="en-US" dirty="0"/>
+              <a:t>Suppose this is our data – 2 features, 4 records. </a:t>
+            </a:r>
+          </a:p>
+          <a:p>
+            <a:r>
+              <a:rPr lang="en-US" dirty="0"/>
+              <a:t>The first step is to center the data. </a:t>
+            </a:r>
+          </a:p>
+          <a:p>
+            <a:r>
+              <a:rPr lang="en-US" dirty="0"/>
+              <a:t>Note – outliers and scaling are needed for good PCA results. </a:t>
+            </a:r>
+          </a:p>
+        </p:txBody>
+      </p:sp>
+      <p:pic>
+        <p:nvPicPr>
+          <p:cNvPr id="1026" name="Picture 2">
+            <a:extLst>
+              <a:ext uri="{FF2B5EF4-FFF2-40B4-BE49-F238E27FC236}">
+                <a16:creationId xmlns:a16="http://schemas.microsoft.com/office/drawing/2014/main" id="{BBE27B05-36A5-7266-9D21-B77B0F0307FC}"/>
+              </a:ext>
+            </a:extLst>
+          </p:cNvPr>
+          <p:cNvPicPr>
+            <a:picLocks noChangeAspect="1" noChangeArrowheads="1"/>
+          </p:cNvPicPr>
+          <p:nvPr/>
+        </p:nvPicPr>
+        <p:blipFill>
+          <a:blip r:embed="rId2">
+            <a:extLst>
+              <a:ext uri="{28A0092B-C50C-407E-A947-70E740481C1C}">
+                <a14:useLocalDpi xmlns:a14="http://schemas.microsoft.com/office/drawing/2010/main" val="0"/>
+              </a:ext>
+            </a:extLst>
+          </a:blip>
+          <a:srcRect/>
+          <a:stretch>
+            <a:fillRect/>
+          </a:stretch>
+        </p:blipFill>
+        <p:spPr bwMode="auto">
+          <a:xfrm>
+            <a:off x="9074150" y="1879600"/>
+            <a:ext cx="1816100" cy="1549400"/>
+          </a:xfrm>
+          <a:prstGeom prst="rect">
+            <a:avLst/>
+          </a:prstGeom>
+          <a:noFill/>
+          <a:extLst>
+            <a:ext uri="{909E8E84-426E-40DD-AFC4-6F175D3DCCD1}">
+              <a14:hiddenFill xmlns:a14="http://schemas.microsoft.com/office/drawing/2010/main">
+                <a:solidFill>
+                  <a:srgbClr val="FFFFFF"/>
+                </a:solidFill>
+              </a14:hiddenFill>
+            </a:ext>
+          </a:extLst>
+        </p:spPr>
+      </p:pic>
+      <p:pic>
+        <p:nvPicPr>
+          <p:cNvPr id="1028" name="Picture 4">
+            <a:extLst>
+              <a:ext uri="{FF2B5EF4-FFF2-40B4-BE49-F238E27FC236}">
+                <a16:creationId xmlns:a16="http://schemas.microsoft.com/office/drawing/2014/main" id="{6157351D-E6AD-2B61-3EDE-3FBEF5DFE283}"/>
+              </a:ext>
+            </a:extLst>
+          </p:cNvPr>
+          <p:cNvPicPr>
+            <a:picLocks noChangeAspect="1" noChangeArrowheads="1"/>
+          </p:cNvPicPr>
+          <p:nvPr/>
+        </p:nvPicPr>
+        <p:blipFill>
+          <a:blip r:embed="rId3">
+            <a:extLst>
+              <a:ext uri="{28A0092B-C50C-407E-A947-70E740481C1C}">
+                <a14:useLocalDpi xmlns:a14="http://schemas.microsoft.com/office/drawing/2010/main" val="0"/>
+              </a:ext>
+            </a:extLst>
+          </a:blip>
+          <a:srcRect/>
+          <a:stretch>
+            <a:fillRect/>
+          </a:stretch>
+        </p:blipFill>
+        <p:spPr bwMode="auto">
+          <a:xfrm>
+            <a:off x="5270500" y="3741038"/>
+            <a:ext cx="6921500" cy="2730500"/>
+          </a:xfrm>
+          <a:prstGeom prst="rect">
+            <a:avLst/>
+          </a:prstGeom>
+          <a:noFill/>
+          <a:extLst>
+            <a:ext uri="{909E8E84-426E-40DD-AFC4-6F175D3DCCD1}">
+              <a14:hiddenFill xmlns:a14="http://schemas.microsoft.com/office/drawing/2010/main">
+                <a:solidFill>
+                  <a:srgbClr val="FFFFFF"/>
+                </a:solidFill>
+              </a14:hiddenFill>
+            </a:ext>
+          </a:extLst>
+        </p:spPr>
+      </p:pic>
+    </p:spTree>
+    <p:extLst>
+      <p:ext uri="{BB962C8B-B14F-4D97-AF65-F5344CB8AC3E}">
+        <p14:creationId xmlns:p14="http://schemas.microsoft.com/office/powerpoint/2010/main" val="2602769999"/>
+      </p:ext>
+    </p:extLst>
+  </p:cSld>
+  <p:clrMapOvr>
+    <a:masterClrMapping/>
+  </p:clrMapOvr>
+</p:sld>
+</file>
+
+<file path=ppt/slides/slide15.xml><?xml version="1.0" encoding="utf-8"?>
+<p:sld xmlns:a="http://schemas.openxmlformats.org/drawingml/2006/main" xmlns:r="http://schemas.openxmlformats.org/officeDocument/2006/relationships" xmlns:p="http://schemas.openxmlformats.org/presentationml/2006/main">
+  <p:cSld>
+    <p:spTree>
+      <p:nvGrpSpPr>
+        <p:cNvPr id="1" name=""/>
+        <p:cNvGrpSpPr/>
+        <p:nvPr/>
+      </p:nvGrpSpPr>
+      <p:grpSpPr>
+        <a:xfrm>
+          <a:off x="0" y="0"/>
+          <a:ext cx="0" cy="0"/>
+          <a:chOff x="0" y="0"/>
+          <a:chExt cx="0" cy="0"/>
+        </a:xfrm>
+      </p:grpSpPr>
+      <p:sp>
+        <p:nvSpPr>
+          <p:cNvPr id="2" name="Title 1">
+            <a:extLst>
+              <a:ext uri="{FF2B5EF4-FFF2-40B4-BE49-F238E27FC236}">
+                <a16:creationId xmlns:a16="http://schemas.microsoft.com/office/drawing/2014/main" id="{2EC274CA-C29B-05CB-76C7-135272B44A02}"/>
+              </a:ext>
+            </a:extLst>
+          </p:cNvPr>
+          <p:cNvSpPr>
+            <a:spLocks noGrp="1"/>
+          </p:cNvSpPr>
+          <p:nvPr>
+            <p:ph type="title"/>
+          </p:nvPr>
+        </p:nvSpPr>
+        <p:spPr/>
+        <p:txBody>
+          <a:bodyPr/>
+          <a:lstStyle/>
+          <a:p>
+            <a:r>
+              <a:rPr lang="en-US" dirty="0"/>
+              <a:t>Compute Covariance Matrix</a:t>
+            </a:r>
+          </a:p>
+        </p:txBody>
+      </p:sp>
+      <p:sp>
+        <p:nvSpPr>
+          <p:cNvPr id="3" name="Content Placeholder 2">
+            <a:extLst>
+              <a:ext uri="{FF2B5EF4-FFF2-40B4-BE49-F238E27FC236}">
+                <a16:creationId xmlns:a16="http://schemas.microsoft.com/office/drawing/2014/main" id="{840D6483-B29E-C699-95FD-BC0A77E89B6B}"/>
+              </a:ext>
+            </a:extLst>
+          </p:cNvPr>
+          <p:cNvSpPr>
+            <a:spLocks noGrp="1"/>
+          </p:cNvSpPr>
+          <p:nvPr>
+            <p:ph idx="1"/>
+          </p:nvPr>
+        </p:nvSpPr>
+        <p:spPr>
+          <a:xfrm>
+            <a:off x="8407400" y="2015732"/>
+            <a:ext cx="3517900" cy="3450613"/>
+          </a:xfrm>
+        </p:spPr>
+        <p:txBody>
+          <a:bodyPr/>
+          <a:lstStyle/>
+          <a:p>
+            <a:r>
+              <a:rPr lang="en-US" dirty="0"/>
+              <a:t>From the centered data, the covariance matrix can be computed. </a:t>
+            </a:r>
+          </a:p>
+          <a:p>
+            <a:r>
+              <a:rPr lang="en-US" dirty="0"/>
+              <a:t>The covariance measures the correlation between features. </a:t>
+            </a:r>
+          </a:p>
+          <a:p>
+            <a:r>
+              <a:rPr lang="en-US" dirty="0"/>
+              <a:t>The variance is on the spine. </a:t>
+            </a:r>
+          </a:p>
+        </p:txBody>
+      </p:sp>
+      <p:pic>
+        <p:nvPicPr>
+          <p:cNvPr id="2050" name="Picture 2">
+            <a:extLst>
+              <a:ext uri="{FF2B5EF4-FFF2-40B4-BE49-F238E27FC236}">
+                <a16:creationId xmlns:a16="http://schemas.microsoft.com/office/drawing/2014/main" id="{388054AF-4A13-166C-2A29-795D33F7B094}"/>
+              </a:ext>
+            </a:extLst>
+          </p:cNvPr>
+          <p:cNvPicPr>
+            <a:picLocks noChangeAspect="1" noChangeArrowheads="1"/>
+          </p:cNvPicPr>
+          <p:nvPr/>
+        </p:nvPicPr>
+        <p:blipFill>
+          <a:blip r:embed="rId2">
+            <a:extLst>
+              <a:ext uri="{28A0092B-C50C-407E-A947-70E740481C1C}">
+                <a14:useLocalDpi xmlns:a14="http://schemas.microsoft.com/office/drawing/2010/main" val="0"/>
+              </a:ext>
+            </a:extLst>
+          </a:blip>
+          <a:srcRect/>
+          <a:stretch>
+            <a:fillRect/>
+          </a:stretch>
+        </p:blipFill>
+        <p:spPr bwMode="auto">
+          <a:xfrm>
+            <a:off x="0" y="1933453"/>
+            <a:ext cx="8407400" cy="2578100"/>
+          </a:xfrm>
+          <a:prstGeom prst="rect">
+            <a:avLst/>
+          </a:prstGeom>
+          <a:noFill/>
+          <a:extLst>
+            <a:ext uri="{909E8E84-426E-40DD-AFC4-6F175D3DCCD1}">
+              <a14:hiddenFill xmlns:a14="http://schemas.microsoft.com/office/drawing/2010/main">
+                <a:solidFill>
+                  <a:srgbClr val="FFFFFF"/>
+                </a:solidFill>
+              </a14:hiddenFill>
+            </a:ext>
+          </a:extLst>
+        </p:spPr>
+      </p:pic>
+      <p:pic>
+        <p:nvPicPr>
+          <p:cNvPr id="2052" name="Picture 4" descr="Covariance Matrix">
+            <a:extLst>
+              <a:ext uri="{FF2B5EF4-FFF2-40B4-BE49-F238E27FC236}">
+                <a16:creationId xmlns:a16="http://schemas.microsoft.com/office/drawing/2014/main" id="{118F21AC-C229-F500-2FD7-6B55A0FAEADB}"/>
+              </a:ext>
+            </a:extLst>
+          </p:cNvPr>
+          <p:cNvPicPr>
+            <a:picLocks noChangeAspect="1" noChangeArrowheads="1"/>
+          </p:cNvPicPr>
+          <p:nvPr/>
+        </p:nvPicPr>
+        <p:blipFill>
+          <a:blip r:embed="rId3">
+            <a:extLst>
+              <a:ext uri="{28A0092B-C50C-407E-A947-70E740481C1C}">
+                <a14:useLocalDpi xmlns:a14="http://schemas.microsoft.com/office/drawing/2010/main" val="0"/>
+              </a:ext>
+            </a:extLst>
+          </a:blip>
+          <a:srcRect/>
+          <a:stretch>
+            <a:fillRect/>
+          </a:stretch>
+        </p:blipFill>
+        <p:spPr bwMode="auto">
+          <a:xfrm>
+            <a:off x="2563866" y="4511553"/>
+            <a:ext cx="3790950" cy="2350185"/>
+          </a:xfrm>
+          <a:prstGeom prst="rect">
+            <a:avLst/>
+          </a:prstGeom>
+          <a:noFill/>
+          <a:extLst>
+            <a:ext uri="{909E8E84-426E-40DD-AFC4-6F175D3DCCD1}">
+              <a14:hiddenFill xmlns:a14="http://schemas.microsoft.com/office/drawing/2010/main">
+                <a:solidFill>
+                  <a:srgbClr val="FFFFFF"/>
+                </a:solidFill>
+              </a14:hiddenFill>
+            </a:ext>
+          </a:extLst>
+        </p:spPr>
+      </p:pic>
+    </p:spTree>
+    <p:extLst>
+      <p:ext uri="{BB962C8B-B14F-4D97-AF65-F5344CB8AC3E}">
+        <p14:creationId xmlns:p14="http://schemas.microsoft.com/office/powerpoint/2010/main" val="3954096282"/>
+      </p:ext>
+    </p:extLst>
+  </p:cSld>
+  <p:clrMapOvr>
+    <a:masterClrMapping/>
+  </p:clrMapOvr>
+</p:sld>
+</file>
+
+<file path=ppt/slides/slide16.xml><?xml version="1.0" encoding="utf-8"?>
+<p:sld xmlns:a="http://schemas.openxmlformats.org/drawingml/2006/main" xmlns:r="http://schemas.openxmlformats.org/officeDocument/2006/relationships" xmlns:p="http://schemas.openxmlformats.org/presentationml/2006/main">
+  <p:cSld>
+    <p:spTree>
+      <p:nvGrpSpPr>
+        <p:cNvPr id="1" name=""/>
+        <p:cNvGrpSpPr/>
+        <p:nvPr/>
+      </p:nvGrpSpPr>
+      <p:grpSpPr>
+        <a:xfrm>
+          <a:off x="0" y="0"/>
+          <a:ext cx="0" cy="0"/>
+          <a:chOff x="0" y="0"/>
+          <a:chExt cx="0" cy="0"/>
+        </a:xfrm>
+      </p:grpSpPr>
+      <p:sp>
+        <p:nvSpPr>
+          <p:cNvPr id="2" name="Title 1">
+            <a:extLst>
+              <a:ext uri="{FF2B5EF4-FFF2-40B4-BE49-F238E27FC236}">
+                <a16:creationId xmlns:a16="http://schemas.microsoft.com/office/drawing/2014/main" id="{E2C2AEF1-D86F-4B2D-BECC-6067311625DF}"/>
+              </a:ext>
+            </a:extLst>
+          </p:cNvPr>
+          <p:cNvSpPr>
+            <a:spLocks noGrp="1"/>
+          </p:cNvSpPr>
+          <p:nvPr>
+            <p:ph type="title"/>
+          </p:nvPr>
+        </p:nvSpPr>
+        <p:spPr/>
+        <p:txBody>
+          <a:bodyPr/>
+          <a:lstStyle/>
+          <a:p>
+            <a:r>
+              <a:rPr lang="en-US" dirty="0"/>
+              <a:t>Calculate the Eigenvalues and Vectors</a:t>
+            </a:r>
+          </a:p>
+        </p:txBody>
+      </p:sp>
+      <p:sp>
+        <p:nvSpPr>
+          <p:cNvPr id="3" name="Content Placeholder 2">
+            <a:extLst>
+              <a:ext uri="{FF2B5EF4-FFF2-40B4-BE49-F238E27FC236}">
+                <a16:creationId xmlns:a16="http://schemas.microsoft.com/office/drawing/2014/main" id="{3719B331-E70C-7026-B45D-955484EE6DA5}"/>
+              </a:ext>
+            </a:extLst>
+          </p:cNvPr>
+          <p:cNvSpPr>
+            <a:spLocks noGrp="1"/>
+          </p:cNvSpPr>
+          <p:nvPr>
+            <p:ph idx="1"/>
+          </p:nvPr>
+        </p:nvSpPr>
+        <p:spPr>
+          <a:xfrm>
+            <a:off x="99391" y="1853754"/>
+            <a:ext cx="5793410" cy="4199727"/>
+          </a:xfrm>
+        </p:spPr>
+        <p:txBody>
+          <a:bodyPr>
+            <a:normAutofit lnSpcReduction="10000"/>
+          </a:bodyPr>
+          <a:lstStyle/>
+          <a:p>
+            <a:r>
+              <a:rPr lang="en-US" dirty="0"/>
+              <a:t>The covariance matrix can be used to calculate the eigenvalues and eigenvectors through a process called Eigenvalue Decomposition. </a:t>
+            </a:r>
+          </a:p>
+          <a:p>
+            <a:r>
+              <a:rPr lang="en-US" dirty="0"/>
+              <a:t>The magnitude of the </a:t>
+            </a:r>
+            <a:r>
+              <a:rPr lang="en-US" dirty="0" err="1"/>
+              <a:t>e.v.</a:t>
+            </a:r>
+            <a:r>
+              <a:rPr lang="en-US" dirty="0"/>
+              <a:t> tell us the PC rank. </a:t>
+            </a:r>
+          </a:p>
+          <a:p>
+            <a:r>
+              <a:rPr lang="en-US" dirty="0"/>
+              <a:t>The vectors define the projection. </a:t>
+            </a:r>
+          </a:p>
+          <a:p>
+            <a:pPr lvl="1"/>
+            <a:r>
+              <a:rPr lang="en-US" dirty="0"/>
+              <a:t>We matrix-multiply the data by the eigenvectors we use, that results in the final dataset. </a:t>
+            </a:r>
+          </a:p>
+          <a:p>
+            <a:pPr lvl="1"/>
+            <a:r>
+              <a:rPr lang="en-US" dirty="0"/>
+              <a:t>Values in vector are the weightings of features. </a:t>
+            </a:r>
+          </a:p>
+          <a:p>
+            <a:pPr lvl="1"/>
+            <a:r>
+              <a:rPr lang="en-US" dirty="0"/>
+              <a:t>*I’m 95% sure from linear algebra class that it is also a point combined with origin that defines the plane. I couldn’t find a definitive yes in text though. </a:t>
+            </a:r>
+          </a:p>
+        </p:txBody>
+      </p:sp>
+      <p:pic>
+        <p:nvPicPr>
+          <p:cNvPr id="3074" name="Picture 2">
+            <a:extLst>
+              <a:ext uri="{FF2B5EF4-FFF2-40B4-BE49-F238E27FC236}">
+                <a16:creationId xmlns:a16="http://schemas.microsoft.com/office/drawing/2014/main" id="{45BC1F66-AFF9-5B20-F23C-E75C1780516B}"/>
+              </a:ext>
+            </a:extLst>
+          </p:cNvPr>
+          <p:cNvPicPr>
+            <a:picLocks noChangeAspect="1" noChangeArrowheads="1"/>
+          </p:cNvPicPr>
+          <p:nvPr/>
+        </p:nvPicPr>
+        <p:blipFill>
+          <a:blip r:embed="rId2">
+            <a:extLst>
+              <a:ext uri="{28A0092B-C50C-407E-A947-70E740481C1C}">
+                <a14:useLocalDpi xmlns:a14="http://schemas.microsoft.com/office/drawing/2010/main" val="0"/>
+              </a:ext>
+            </a:extLst>
+          </a:blip>
+          <a:srcRect/>
+          <a:stretch>
+            <a:fillRect/>
+          </a:stretch>
+        </p:blipFill>
+        <p:spPr bwMode="auto">
+          <a:xfrm>
+            <a:off x="5892800" y="2015732"/>
+            <a:ext cx="6299200" cy="3302000"/>
+          </a:xfrm>
+          <a:prstGeom prst="rect">
+            <a:avLst/>
+          </a:prstGeom>
+          <a:noFill/>
+          <a:extLst>
+            <a:ext uri="{909E8E84-426E-40DD-AFC4-6F175D3DCCD1}">
+              <a14:hiddenFill xmlns:a14="http://schemas.microsoft.com/office/drawing/2010/main">
+                <a:solidFill>
+                  <a:srgbClr val="FFFFFF"/>
+                </a:solidFill>
+              </a14:hiddenFill>
+            </a:ext>
+          </a:extLst>
+        </p:spPr>
+      </p:pic>
+    </p:spTree>
+    <p:extLst>
+      <p:ext uri="{BB962C8B-B14F-4D97-AF65-F5344CB8AC3E}">
+        <p14:creationId xmlns:p14="http://schemas.microsoft.com/office/powerpoint/2010/main" val="3916169495"/>
+      </p:ext>
+    </p:extLst>
+  </p:cSld>
+  <p:clrMapOvr>
+    <a:masterClrMapping/>
+  </p:clrMapOvr>
+</p:sld>
+</file>
+
+<file path=ppt/slides/slide17.xml><?xml version="1.0" encoding="utf-8"?>
+<p:sld xmlns:a="http://schemas.openxmlformats.org/drawingml/2006/main" xmlns:r="http://schemas.openxmlformats.org/officeDocument/2006/relationships" xmlns:p="http://schemas.openxmlformats.org/presentationml/2006/main">
+  <p:cSld>
+    <p:spTree>
+      <p:nvGrpSpPr>
+        <p:cNvPr id="1" name=""/>
+        <p:cNvGrpSpPr/>
+        <p:nvPr/>
+      </p:nvGrpSpPr>
+      <p:grpSpPr>
+        <a:xfrm>
+          <a:off x="0" y="0"/>
+          <a:ext cx="0" cy="0"/>
+          <a:chOff x="0" y="0"/>
+          <a:chExt cx="0" cy="0"/>
+        </a:xfrm>
+      </p:grpSpPr>
+      <p:sp>
+        <p:nvSpPr>
+          <p:cNvPr id="2" name="Title 1">
+            <a:extLst>
+              <a:ext uri="{FF2B5EF4-FFF2-40B4-BE49-F238E27FC236}">
+                <a16:creationId xmlns:a16="http://schemas.microsoft.com/office/drawing/2014/main" id="{2A45679A-B598-1F86-A780-C8DC6735D1E3}"/>
+              </a:ext>
+            </a:extLst>
+          </p:cNvPr>
+          <p:cNvSpPr>
+            <a:spLocks noGrp="1"/>
+          </p:cNvSpPr>
+          <p:nvPr>
+            <p:ph type="title"/>
+          </p:nvPr>
+        </p:nvSpPr>
+        <p:spPr/>
+        <p:txBody>
+          <a:bodyPr/>
+          <a:lstStyle/>
+          <a:p>
+            <a:r>
+              <a:rPr lang="en-US" dirty="0"/>
+              <a:t>While We were Decomposing…</a:t>
+            </a:r>
+          </a:p>
+        </p:txBody>
+      </p:sp>
+      <p:sp>
+        <p:nvSpPr>
+          <p:cNvPr id="3" name="Content Placeholder 2">
+            <a:extLst>
+              <a:ext uri="{FF2B5EF4-FFF2-40B4-BE49-F238E27FC236}">
+                <a16:creationId xmlns:a16="http://schemas.microsoft.com/office/drawing/2014/main" id="{8C2A0CB9-D846-2DD1-C917-75878CE3BFA9}"/>
+              </a:ext>
+            </a:extLst>
+          </p:cNvPr>
+          <p:cNvSpPr>
+            <a:spLocks noGrp="1"/>
+          </p:cNvSpPr>
+          <p:nvPr>
+            <p:ph idx="1"/>
+          </p:nvPr>
+        </p:nvSpPr>
+        <p:spPr>
+          <a:xfrm>
+            <a:off x="6343650" y="1876923"/>
+            <a:ext cx="5848350" cy="4255520"/>
+          </a:xfrm>
+        </p:spPr>
+        <p:txBody>
+          <a:bodyPr>
+            <a:normAutofit/>
+          </a:bodyPr>
+          <a:lstStyle/>
+          <a:p>
+            <a:r>
+              <a:rPr lang="en-US" dirty="0"/>
+              <a:t>The ‘characteristic equation’ from the previous slide is derived in a larger operation. </a:t>
+            </a:r>
+          </a:p>
+          <a:p>
+            <a:r>
+              <a:rPr lang="en-US" dirty="0"/>
+              <a:t>Earlier in that derivation, we can see the idea of PCA as the matrix is diagonalized. </a:t>
+            </a:r>
+          </a:p>
+          <a:p>
+            <a:r>
+              <a:rPr lang="en-US" dirty="0"/>
+              <a:t>What this means is that the covariance matrix can be set so all non-spine values are 0. </a:t>
+            </a:r>
+          </a:p>
+          <a:p>
+            <a:pPr lvl="1"/>
+            <a:r>
+              <a:rPr lang="en-US" dirty="0"/>
+              <a:t>If covariance is 0, they’re orthogonal. (Like an axis!). </a:t>
+            </a:r>
+          </a:p>
+          <a:p>
+            <a:pPr lvl="1"/>
+            <a:r>
+              <a:rPr lang="en-US" dirty="0"/>
+              <a:t>All variance is captured in one of the values. </a:t>
+            </a:r>
+          </a:p>
+          <a:p>
+            <a:r>
+              <a:rPr lang="en-US" dirty="0"/>
+              <a:t>This eventually simplifies to the characteristic eq.</a:t>
+            </a:r>
+          </a:p>
+          <a:p>
+            <a:pPr lvl="1"/>
+            <a:r>
+              <a:rPr lang="en-US" dirty="0"/>
+              <a:t>We insert data there, and save this math stuff. </a:t>
+            </a:r>
+          </a:p>
+        </p:txBody>
+      </p:sp>
+      <p:pic>
+        <p:nvPicPr>
+          <p:cNvPr id="4" name="Picture 3">
+            <a:extLst>
+              <a:ext uri="{FF2B5EF4-FFF2-40B4-BE49-F238E27FC236}">
+                <a16:creationId xmlns:a16="http://schemas.microsoft.com/office/drawing/2014/main" id="{685593C8-6DA6-EEAB-7E0B-87EAC93F6C40}"/>
+              </a:ext>
+            </a:extLst>
+          </p:cNvPr>
+          <p:cNvPicPr>
+            <a:picLocks noChangeAspect="1"/>
+          </p:cNvPicPr>
+          <p:nvPr/>
+        </p:nvPicPr>
+        <p:blipFill>
+          <a:blip r:embed="rId2"/>
+          <a:stretch>
+            <a:fillRect/>
+          </a:stretch>
+        </p:blipFill>
+        <p:spPr>
+          <a:xfrm>
+            <a:off x="0" y="2926157"/>
+            <a:ext cx="6343650" cy="3289300"/>
+          </a:xfrm>
+          <a:prstGeom prst="rect">
+            <a:avLst/>
+          </a:prstGeom>
+        </p:spPr>
+      </p:pic>
+      <p:pic>
+        <p:nvPicPr>
+          <p:cNvPr id="6" name="Picture 5">
+            <a:extLst>
+              <a:ext uri="{FF2B5EF4-FFF2-40B4-BE49-F238E27FC236}">
+                <a16:creationId xmlns:a16="http://schemas.microsoft.com/office/drawing/2014/main" id="{D0C12031-E6F8-EA23-2688-A2C4E9D60853}"/>
+              </a:ext>
+            </a:extLst>
+          </p:cNvPr>
+          <p:cNvPicPr>
+            <a:picLocks noChangeAspect="1"/>
+          </p:cNvPicPr>
+          <p:nvPr/>
+        </p:nvPicPr>
+        <p:blipFill>
+          <a:blip r:embed="rId3"/>
+          <a:stretch>
+            <a:fillRect/>
+          </a:stretch>
+        </p:blipFill>
+        <p:spPr>
+          <a:xfrm>
+            <a:off x="0" y="1853754"/>
+            <a:ext cx="5410756" cy="1049234"/>
+          </a:xfrm>
+          <a:prstGeom prst="rect">
+            <a:avLst/>
+          </a:prstGeom>
+        </p:spPr>
+      </p:pic>
+    </p:spTree>
+    <p:extLst>
+      <p:ext uri="{BB962C8B-B14F-4D97-AF65-F5344CB8AC3E}">
+        <p14:creationId xmlns:p14="http://schemas.microsoft.com/office/powerpoint/2010/main" val="4111778875"/>
+      </p:ext>
+    </p:extLst>
+  </p:cSld>
+  <p:clrMapOvr>
+    <a:masterClrMapping/>
+  </p:clrMapOvr>
+</p:sld>
+</file>
+
+<file path=ppt/slides/slide18.xml><?xml version="1.0" encoding="utf-8"?>
+<p:sld xmlns:a="http://schemas.openxmlformats.org/drawingml/2006/main" xmlns:r="http://schemas.openxmlformats.org/officeDocument/2006/relationships" xmlns:p="http://schemas.openxmlformats.org/presentationml/2006/main">
+  <p:cSld>
+    <p:spTree>
+      <p:nvGrpSpPr>
+        <p:cNvPr id="1" name=""/>
+        <p:cNvGrpSpPr/>
+        <p:nvPr/>
+      </p:nvGrpSpPr>
+      <p:grpSpPr>
+        <a:xfrm>
+          <a:off x="0" y="0"/>
+          <a:ext cx="0" cy="0"/>
+          <a:chOff x="0" y="0"/>
+          <a:chExt cx="0" cy="0"/>
+        </a:xfrm>
+      </p:grpSpPr>
+      <p:sp>
+        <p:nvSpPr>
+          <p:cNvPr id="2" name="Title 1">
+            <a:extLst>
+              <a:ext uri="{FF2B5EF4-FFF2-40B4-BE49-F238E27FC236}">
+                <a16:creationId xmlns:a16="http://schemas.microsoft.com/office/drawing/2014/main" id="{5F21F119-80DD-5FF4-EBD7-0CF0C2FA283D}"/>
+              </a:ext>
+            </a:extLst>
+          </p:cNvPr>
+          <p:cNvSpPr>
+            <a:spLocks noGrp="1"/>
+          </p:cNvSpPr>
+          <p:nvPr>
+            <p:ph type="title"/>
+          </p:nvPr>
+        </p:nvSpPr>
+        <p:spPr/>
+        <p:txBody>
+          <a:bodyPr/>
+          <a:lstStyle/>
+          <a:p>
+            <a:r>
+              <a:rPr lang="en-US" dirty="0"/>
+              <a:t>In Pictures…</a:t>
+            </a:r>
+          </a:p>
+        </p:txBody>
+      </p:sp>
+      <p:sp>
+        <p:nvSpPr>
+          <p:cNvPr id="3" name="Content Placeholder 2">
+            <a:extLst>
+              <a:ext uri="{FF2B5EF4-FFF2-40B4-BE49-F238E27FC236}">
+                <a16:creationId xmlns:a16="http://schemas.microsoft.com/office/drawing/2014/main" id="{04450088-4452-1D31-A881-6956A451F817}"/>
+              </a:ext>
+            </a:extLst>
+          </p:cNvPr>
+          <p:cNvSpPr>
+            <a:spLocks noGrp="1"/>
+          </p:cNvSpPr>
+          <p:nvPr>
+            <p:ph idx="1"/>
+          </p:nvPr>
+        </p:nvSpPr>
+        <p:spPr>
+          <a:xfrm>
+            <a:off x="1451579" y="1853754"/>
+            <a:ext cx="9603275" cy="3612591"/>
+          </a:xfrm>
+        </p:spPr>
+        <p:txBody>
+          <a:bodyPr/>
+          <a:lstStyle/>
+          <a:p>
+            <a:r>
+              <a:rPr lang="en-US" dirty="0"/>
+              <a:t>We have a rule that allows us to solve this if we have a matrix of data.</a:t>
+            </a:r>
+          </a:p>
+          <a:p>
+            <a:r>
+              <a:rPr lang="en-US" dirty="0"/>
+              <a:t>The other stuff are different variations of this formula at different points. </a:t>
+            </a:r>
+          </a:p>
+        </p:txBody>
+      </p:sp>
+      <p:pic>
+        <p:nvPicPr>
+          <p:cNvPr id="5122" name="Picture 2" descr="Eigendecomposition. In this post, we are going to take a… | by Hıdır  Yeşiltepe | Medium">
+            <a:extLst>
+              <a:ext uri="{FF2B5EF4-FFF2-40B4-BE49-F238E27FC236}">
+                <a16:creationId xmlns:a16="http://schemas.microsoft.com/office/drawing/2014/main" id="{169127DE-1187-6404-AC43-110AE3749815}"/>
+              </a:ext>
+            </a:extLst>
+          </p:cNvPr>
+          <p:cNvPicPr>
+            <a:picLocks noChangeAspect="1" noChangeArrowheads="1"/>
+          </p:cNvPicPr>
+          <p:nvPr/>
+        </p:nvPicPr>
+        <p:blipFill>
+          <a:blip r:embed="rId2">
+            <a:extLst>
+              <a:ext uri="{28A0092B-C50C-407E-A947-70E740481C1C}">
+                <a14:useLocalDpi xmlns:a14="http://schemas.microsoft.com/office/drawing/2010/main" val="0"/>
+              </a:ext>
+            </a:extLst>
+          </a:blip>
+          <a:srcRect/>
+          <a:stretch>
+            <a:fillRect/>
+          </a:stretch>
+        </p:blipFill>
+        <p:spPr bwMode="auto">
+          <a:xfrm>
+            <a:off x="1723421" y="2845280"/>
+            <a:ext cx="9017000" cy="3670300"/>
+          </a:xfrm>
+          <a:prstGeom prst="rect">
+            <a:avLst/>
+          </a:prstGeom>
+          <a:noFill/>
+          <a:extLst>
+            <a:ext uri="{909E8E84-426E-40DD-AFC4-6F175D3DCCD1}">
+              <a14:hiddenFill xmlns:a14="http://schemas.microsoft.com/office/drawing/2010/main">
+                <a:solidFill>
+                  <a:srgbClr val="FFFFFF"/>
+                </a:solidFill>
+              </a14:hiddenFill>
+            </a:ext>
+          </a:extLst>
+        </p:spPr>
+      </p:pic>
+    </p:spTree>
+    <p:extLst>
+      <p:ext uri="{BB962C8B-B14F-4D97-AF65-F5344CB8AC3E}">
+        <p14:creationId xmlns:p14="http://schemas.microsoft.com/office/powerpoint/2010/main" val="3341022562"/>
+      </p:ext>
+    </p:extLst>
+  </p:cSld>
+  <p:clrMapOvr>
+    <a:masterClrMapping/>
+  </p:clrMapOvr>
+</p:sld>
+</file>
+
+<file path=ppt/slides/slide19.xml><?xml version="1.0" encoding="utf-8"?>
+<p:sld xmlns:a="http://schemas.openxmlformats.org/drawingml/2006/main" xmlns:r="http://schemas.openxmlformats.org/officeDocument/2006/relationships" xmlns:p="http://schemas.openxmlformats.org/presentationml/2006/main">
+  <p:cSld>
+    <p:spTree>
+      <p:nvGrpSpPr>
+        <p:cNvPr id="1" name=""/>
+        <p:cNvGrpSpPr/>
+        <p:nvPr/>
+      </p:nvGrpSpPr>
+      <p:grpSpPr>
+        <a:xfrm>
+          <a:off x="0" y="0"/>
+          <a:ext cx="0" cy="0"/>
+          <a:chOff x="0" y="0"/>
+          <a:chExt cx="0" cy="0"/>
+        </a:xfrm>
+      </p:grpSpPr>
+      <p:sp>
+        <p:nvSpPr>
+          <p:cNvPr id="2" name="Title 1">
+            <a:extLst>
+              <a:ext uri="{FF2B5EF4-FFF2-40B4-BE49-F238E27FC236}">
+                <a16:creationId xmlns:a16="http://schemas.microsoft.com/office/drawing/2014/main" id="{189BCB4A-FE84-7FC0-9E3B-7D82EBE71754}"/>
+              </a:ext>
+            </a:extLst>
+          </p:cNvPr>
+          <p:cNvSpPr>
+            <a:spLocks noGrp="1"/>
+          </p:cNvSpPr>
+          <p:nvPr>
+            <p:ph type="title"/>
+          </p:nvPr>
+        </p:nvSpPr>
+        <p:spPr/>
+        <p:txBody>
+          <a:bodyPr/>
+          <a:lstStyle/>
+          <a:p>
+            <a:r>
+              <a:rPr lang="en-US" dirty="0"/>
+              <a:t>Once Acquired…</a:t>
+            </a:r>
+          </a:p>
+        </p:txBody>
+      </p:sp>
+      <p:sp>
+        <p:nvSpPr>
+          <p:cNvPr id="3" name="Content Placeholder 2">
+            <a:extLst>
+              <a:ext uri="{FF2B5EF4-FFF2-40B4-BE49-F238E27FC236}">
+                <a16:creationId xmlns:a16="http://schemas.microsoft.com/office/drawing/2014/main" id="{CF1CF657-2C26-D924-C695-63DBB709F29D}"/>
+              </a:ext>
+            </a:extLst>
+          </p:cNvPr>
+          <p:cNvSpPr>
+            <a:spLocks noGrp="1"/>
+          </p:cNvSpPr>
+          <p:nvPr>
+            <p:ph idx="1"/>
+          </p:nvPr>
+        </p:nvSpPr>
+        <p:spPr>
+          <a:xfrm>
+            <a:off x="1451579" y="1853755"/>
+            <a:ext cx="9603275" cy="1424106"/>
+          </a:xfrm>
+        </p:spPr>
+        <p:txBody>
+          <a:bodyPr/>
+          <a:lstStyle/>
+          <a:p>
+            <a:r>
+              <a:rPr lang="en-US" dirty="0"/>
+              <a:t>Once we have the </a:t>
+            </a:r>
+            <a:r>
+              <a:rPr lang="en-US" dirty="0" err="1"/>
+              <a:t>eigens</a:t>
+            </a:r>
+            <a:r>
+              <a:rPr lang="en-US" dirty="0"/>
+              <a:t>, producing the final dataset is simple. </a:t>
+            </a:r>
+          </a:p>
+          <a:p>
+            <a:pPr lvl="1"/>
+            <a:r>
+              <a:rPr lang="en-US" dirty="0"/>
+              <a:t>Determine how many components to keep. </a:t>
+            </a:r>
+          </a:p>
+          <a:p>
+            <a:pPr lvl="1"/>
+            <a:r>
+              <a:rPr lang="en-US" dirty="0"/>
+              <a:t>Project into that many dimensions – this is all linear algebra, so pretty quick to calculate. </a:t>
+            </a:r>
+          </a:p>
+        </p:txBody>
+      </p:sp>
+      <p:pic>
+        <p:nvPicPr>
+          <p:cNvPr id="6146" name="Picture 2" descr="Dimensionality Reduction with Principal Component Analysis">
+            <a:extLst>
+              <a:ext uri="{FF2B5EF4-FFF2-40B4-BE49-F238E27FC236}">
+                <a16:creationId xmlns:a16="http://schemas.microsoft.com/office/drawing/2014/main" id="{CDDEC23E-2B4C-BED0-8947-8E4DBAD7C0F1}"/>
+              </a:ext>
+            </a:extLst>
+          </p:cNvPr>
+          <p:cNvPicPr>
+            <a:picLocks noChangeAspect="1" noChangeArrowheads="1"/>
+          </p:cNvPicPr>
+          <p:nvPr/>
+        </p:nvPicPr>
+        <p:blipFill>
+          <a:blip r:embed="rId2">
+            <a:extLst>
+              <a:ext uri="{28A0092B-C50C-407E-A947-70E740481C1C}">
+                <a14:useLocalDpi xmlns:a14="http://schemas.microsoft.com/office/drawing/2010/main" val="0"/>
+              </a:ext>
+            </a:extLst>
+          </a:blip>
+          <a:srcRect/>
+          <a:stretch>
+            <a:fillRect/>
+          </a:stretch>
+        </p:blipFill>
+        <p:spPr bwMode="auto">
+          <a:xfrm>
+            <a:off x="883005" y="3277860"/>
+            <a:ext cx="10740421" cy="3580140"/>
+          </a:xfrm>
+          <a:prstGeom prst="rect">
+            <a:avLst/>
+          </a:prstGeom>
+          <a:noFill/>
+          <a:extLst>
+            <a:ext uri="{909E8E84-426E-40DD-AFC4-6F175D3DCCD1}">
+              <a14:hiddenFill xmlns:a14="http://schemas.microsoft.com/office/drawing/2010/main">
+                <a:solidFill>
+                  <a:srgbClr val="FFFFFF"/>
+                </a:solidFill>
+              </a14:hiddenFill>
+            </a:ext>
+          </a:extLst>
+        </p:spPr>
+      </p:pic>
+    </p:spTree>
+    <p:extLst>
+      <p:ext uri="{BB962C8B-B14F-4D97-AF65-F5344CB8AC3E}">
+        <p14:creationId xmlns:p14="http://schemas.microsoft.com/office/powerpoint/2010/main" val="4231119380"/>
+      </p:ext>
+    </p:extLst>
+  </p:cSld>
+  <p:clrMapOvr>
+    <a:masterClrMapping/>
+  </p:clrMapOvr>
+</p:sld>
+</file>
+
+<file path=ppt/slides/slide2.xml><?xml version="1.0" encoding="utf-8"?>
+<p:sld xmlns:a="http://schemas.openxmlformats.org/drawingml/2006/main" xmlns:r="http://schemas.openxmlformats.org/officeDocument/2006/relationships" xmlns:p="http://schemas.openxmlformats.org/presentationml/2006/main">
+  <p:cSld>
+    <p:spTree>
+      <p:nvGrpSpPr>
+        <p:cNvPr id="1" name=""/>
+        <p:cNvGrpSpPr/>
+        <p:nvPr/>
+      </p:nvGrpSpPr>
+      <p:grpSpPr>
+        <a:xfrm>
+          <a:off x="0" y="0"/>
+          <a:ext cx="0" cy="0"/>
+          <a:chOff x="0" y="0"/>
+          <a:chExt cx="0" cy="0"/>
+        </a:xfrm>
+      </p:grpSpPr>
+      <p:sp>
+        <p:nvSpPr>
+          <p:cNvPr id="2" name="Title 1">
+            <a:extLst>
+              <a:ext uri="{FF2B5EF4-FFF2-40B4-BE49-F238E27FC236}">
+                <a16:creationId xmlns:a16="http://schemas.microsoft.com/office/drawing/2014/main" id="{D26A5B35-D492-D144-B870-3D24E7DF0A5A}"/>
+              </a:ext>
+            </a:extLst>
+          </p:cNvPr>
+          <p:cNvSpPr>
+            <a:spLocks noGrp="1"/>
+          </p:cNvSpPr>
+          <p:nvPr>
+            <p:ph type="ctrTitle"/>
+          </p:nvPr>
+        </p:nvSpPr>
+        <p:spPr/>
+        <p:txBody>
+          <a:bodyPr>
+            <a:normAutofit fontScale="90000"/>
+          </a:bodyPr>
+          <a:lstStyle/>
+          <a:p>
+            <a:r>
+              <a:rPr lang="en-US" dirty="0"/>
+              <a:t>PCA and Dimensionality Reduction</a:t>
+            </a:r>
+          </a:p>
+        </p:txBody>
+      </p:sp>
+      <p:sp>
+        <p:nvSpPr>
+          <p:cNvPr id="3" name="Subtitle 2">
+            <a:extLst>
+              <a:ext uri="{FF2B5EF4-FFF2-40B4-BE49-F238E27FC236}">
+                <a16:creationId xmlns:a16="http://schemas.microsoft.com/office/drawing/2014/main" id="{AEFFDE8D-89E0-F546-9815-F818E8D708F0}"/>
+              </a:ext>
+            </a:extLst>
+          </p:cNvPr>
+          <p:cNvSpPr>
+            <a:spLocks noGrp="1"/>
+          </p:cNvSpPr>
+          <p:nvPr>
+            <p:ph type="subTitle" idx="1"/>
+          </p:nvPr>
+        </p:nvSpPr>
+        <p:spPr/>
+        <p:txBody>
+          <a:bodyPr/>
+          <a:lstStyle/>
+          <a:p>
+            <a:endParaRPr lang="en-US"/>
+          </a:p>
+        </p:txBody>
+      </p:sp>
+    </p:spTree>
+    <p:extLst>
+      <p:ext uri="{BB962C8B-B14F-4D97-AF65-F5344CB8AC3E}">
+        <p14:creationId xmlns:p14="http://schemas.microsoft.com/office/powerpoint/2010/main" val="1432220351"/>
+      </p:ext>
+    </p:extLst>
+  </p:cSld>
+  <p:clrMapOvr>
+    <a:masterClrMapping/>
+  </p:clrMapOvr>
+</p:sld>
+</file>
+
+<file path=ppt/slides/slide20.xml><?xml version="1.0" encoding="utf-8"?>
+<p:sld xmlns:a="http://schemas.openxmlformats.org/drawingml/2006/main" xmlns:r="http://schemas.openxmlformats.org/officeDocument/2006/relationships" xmlns:p="http://schemas.openxmlformats.org/presentationml/2006/main">
+  <p:cSld>
+    <p:bg>
+      <p:bgPr>
+        <a:gradFill rotWithShape="1">
+          <a:gsLst>
+            <a:gs pos="0">
+              <a:schemeClr val="bg2">
+                <a:tint val="94000"/>
+                <a:satMod val="80000"/>
+                <a:lumMod val="106000"/>
+              </a:schemeClr>
+            </a:gs>
+            <a:gs pos="100000">
+              <a:schemeClr val="bg2">
+                <a:shade val="80000"/>
+              </a:schemeClr>
+            </a:gs>
+          </a:gsLst>
+          <a:path path="circle">
+            <a:fillToRect l="43000" r="43000" b="100000"/>
+          </a:path>
+        </a:gradFill>
+        <a:effectLst/>
+      </p:bgPr>
+    </p:bg>
+    <p:spTree>
+      <p:nvGrpSpPr>
+        <p:cNvPr id="1" name=""/>
+        <p:cNvGrpSpPr/>
+        <p:nvPr/>
+      </p:nvGrpSpPr>
+      <p:grpSpPr>
+        <a:xfrm>
+          <a:off x="0" y="0"/>
+          <a:ext cx="0" cy="0"/>
+          <a:chOff x="0" y="0"/>
+          <a:chExt cx="0" cy="0"/>
+        </a:xfrm>
+      </p:grpSpPr>
+      <p:sp>
+        <p:nvSpPr>
+          <p:cNvPr id="7175" name="Rectangle 7174">
+            <a:extLst>
+              <a:ext uri="{FF2B5EF4-FFF2-40B4-BE49-F238E27FC236}">
+                <a16:creationId xmlns:a16="http://schemas.microsoft.com/office/drawing/2014/main" id="{CDDE5CDF-1512-4CDA-B956-23D223F8DE44}"/>
+              </a:ext>
+              <a:ext uri="{C183D7F6-B498-43B3-948B-1728B52AA6E4}">
+                <adec:decorative xmlns:adec="http://schemas.microsoft.com/office/drawing/2017/decorative" val="1"/>
+              </a:ext>
+            </a:extLst>
+          </p:cNvPr>
+          <p:cNvSpPr>
+            <a:spLocks noGrp="1" noRot="1" noChangeAspect="1" noMove="1" noResize="1" noEditPoints="1" noAdjustHandles="1" noChangeArrowheads="1" noChangeShapeType="1" noTextEdit="1"/>
+          </p:cNvSpPr>
+          <p:nvPr>
+            <p:extLst>
+              <p:ext uri="{386F3935-93C4-4BCD-93E2-E3B085C9AB24}">
+                <p16:designElem xmlns:p16="http://schemas.microsoft.com/office/powerpoint/2015/main" val="1"/>
+              </p:ext>
+            </p:extLst>
+          </p:nvPr>
+        </p:nvSpPr>
+        <p:spPr>
+          <a:xfrm>
+            <a:off x="0" y="2019476"/>
+            <a:ext cx="12192000" cy="4105941"/>
+          </a:xfrm>
+          <a:prstGeom prst="rect">
+            <a:avLst/>
+          </a:prstGeom>
+          <a:gradFill flip="none" rotWithShape="1">
+            <a:gsLst>
+              <a:gs pos="0">
+                <a:schemeClr val="bg2">
+                  <a:alpha val="0"/>
+                </a:schemeClr>
+              </a:gs>
+              <a:gs pos="100000">
+                <a:schemeClr val="bg2"/>
+              </a:gs>
+            </a:gsLst>
+            <a:lin ang="5400000" scaled="0"/>
+            <a:tileRect/>
+          </a:gradFill>
+          <a:ln>
+            <a:noFill/>
+          </a:ln>
+        </p:spPr>
+        <p:style>
+          <a:lnRef idx="2">
+            <a:schemeClr val="accent1">
+              <a:shade val="50000"/>
+            </a:schemeClr>
+          </a:lnRef>
+          <a:fillRef idx="1">
+            <a:schemeClr val="accent1"/>
+          </a:fillRef>
+          <a:effectRef idx="0">
+            <a:schemeClr val="accent1"/>
+          </a:effectRef>
+          <a:fontRef idx="minor">
+            <a:schemeClr val="lt1"/>
+          </a:fontRef>
+        </p:style>
+        <p:txBody>
+          <a:bodyPr/>
+          <a:lstStyle/>
+          <a:p>
+            <a:endParaRPr lang="en-US"/>
+          </a:p>
+        </p:txBody>
+      </p:sp>
+      <p:pic>
+        <p:nvPicPr>
+          <p:cNvPr id="7177" name="Picture 7176">
+            <a:extLst>
+              <a:ext uri="{FF2B5EF4-FFF2-40B4-BE49-F238E27FC236}">
+                <a16:creationId xmlns:a16="http://schemas.microsoft.com/office/drawing/2014/main" id="{B029D7D8-5A6B-4C76-94C8-15798C6C5ADB}"/>
+              </a:ext>
+              <a:ext uri="{C183D7F6-B498-43B3-948B-1728B52AA6E4}">
+                <adec:decorative xmlns:adec="http://schemas.microsoft.com/office/drawing/2017/decorative" val="1"/>
+              </a:ext>
+            </a:extLst>
+          </p:cNvPr>
+          <p:cNvPicPr>
+            <a:picLocks noGrp="1" noRot="1" noChangeAspect="1" noMove="1" noResize="1" noEditPoints="1" noAdjustHandles="1" noChangeArrowheads="1" noChangeShapeType="1" noCrop="1"/>
+          </p:cNvPicPr>
+          <p:nvPr>
+            <p:extLst>
+              <p:ext uri="{386F3935-93C4-4BCD-93E2-E3B085C9AB24}">
+                <p16:designElem xmlns:p16="http://schemas.microsoft.com/office/powerpoint/2015/main" val="1"/>
+              </p:ext>
+            </p:extLst>
+          </p:nvPr>
+        </p:nvPicPr>
+        <p:blipFill rotWithShape="1">
+          <a:blip r:embed="rId2">
+            <a:extLst>
+              <a:ext uri="{28A0092B-C50C-407E-A947-70E740481C1C}">
+                <a14:useLocalDpi xmlns:a14="http://schemas.microsoft.com/office/drawing/2010/main" val="0"/>
+              </a:ext>
+            </a:extLst>
+          </a:blip>
+          <a:srcRect t="1538" b="-1538"/>
+          <a:stretch/>
+        </p:blipFill>
+        <p:spPr bwMode="black">
+          <a:xfrm>
+            <a:off x="0" y="6126480"/>
+            <a:ext cx="12192000" cy="742950"/>
+          </a:xfrm>
+          <a:prstGeom prst="rect">
+            <a:avLst/>
+          </a:prstGeom>
+        </p:spPr>
+      </p:pic>
+      <p:cxnSp>
+        <p:nvCxnSpPr>
+          <p:cNvPr id="7179" name="Straight Connector 7178">
+            <a:extLst>
+              <a:ext uri="{FF2B5EF4-FFF2-40B4-BE49-F238E27FC236}">
+                <a16:creationId xmlns:a16="http://schemas.microsoft.com/office/drawing/2014/main" id="{A5C9319C-E20D-4884-952F-60B6A58C3E34}"/>
+              </a:ext>
+              <a:ext uri="{C183D7F6-B498-43B3-948B-1728B52AA6E4}">
+                <adec:decorative xmlns:adec="http://schemas.microsoft.com/office/drawing/2017/decorative" val="1"/>
+              </a:ext>
+            </a:extLst>
+          </p:cNvPr>
+          <p:cNvCxnSpPr>
+            <a:cxnSpLocks noGrp="1" noRot="1" noChangeAspect="1" noMove="1" noResize="1" noEditPoints="1" noAdjustHandles="1" noChangeArrowheads="1" noChangeShapeType="1"/>
+          </p:cNvCxnSpPr>
+          <p:nvPr>
+            <p:extLst>
+              <p:ext uri="{386F3935-93C4-4BCD-93E2-E3B085C9AB24}">
+                <p16:designElem xmlns:p16="http://schemas.microsoft.com/office/powerpoint/2015/main" val="1"/>
+              </p:ext>
+            </p:extLst>
+          </p:nvPr>
+        </p:nvCxnSpPr>
+        <p:spPr>
+          <a:xfrm>
+            <a:off x="0" y="6128413"/>
+            <a:ext cx="12192000" cy="0"/>
+          </a:xfrm>
+          <a:prstGeom prst="line">
+            <a:avLst/>
+          </a:prstGeom>
+          <a:ln w="12700">
+            <a:solidFill>
+              <a:srgbClr val="000001">
+                <a:alpha val="20000"/>
+              </a:srgbClr>
+            </a:solidFill>
+          </a:ln>
+        </p:spPr>
+        <p:style>
+          <a:lnRef idx="1">
+            <a:schemeClr val="accent1"/>
+          </a:lnRef>
+          <a:fillRef idx="0">
+            <a:schemeClr val="accent1"/>
+          </a:fillRef>
+          <a:effectRef idx="0">
+            <a:schemeClr val="accent1"/>
+          </a:effectRef>
+          <a:fontRef idx="minor">
+            <a:schemeClr val="tx1"/>
+          </a:fontRef>
+        </p:style>
+      </p:cxnSp>
+      <p:sp useBgFill="1">
+        <p:nvSpPr>
+          <p:cNvPr id="7181" name="Rectangle 7180">
+            <a:extLst>
+              <a:ext uri="{FF2B5EF4-FFF2-40B4-BE49-F238E27FC236}">
+                <a16:creationId xmlns:a16="http://schemas.microsoft.com/office/drawing/2014/main" id="{F1176DA6-4BBF-42A4-9C94-E6613CCD6B37}"/>
+              </a:ext>
+              <a:ext uri="{C183D7F6-B498-43B3-948B-1728B52AA6E4}">
+                <adec:decorative xmlns:adec="http://schemas.microsoft.com/office/drawing/2017/decorative" val="1"/>
+              </a:ext>
+            </a:extLst>
+          </p:cNvPr>
+          <p:cNvSpPr>
+            <a:spLocks noGrp="1" noRot="1" noChangeAspect="1" noMove="1" noResize="1" noEditPoints="1" noAdjustHandles="1" noChangeArrowheads="1" noChangeShapeType="1" noTextEdit="1"/>
+          </p:cNvSpPr>
+          <p:nvPr>
+            <p:extLst>
+              <p:ext uri="{386F3935-93C4-4BCD-93E2-E3B085C9AB24}">
+                <p16:designElem xmlns:p16="http://schemas.microsoft.com/office/powerpoint/2015/main" val="1"/>
+              </p:ext>
+            </p:extLst>
+          </p:nvPr>
+        </p:nvSpPr>
+        <p:spPr>
+          <a:xfrm>
+            <a:off x="0" y="0"/>
+            <a:ext cx="12192000" cy="6858000"/>
+          </a:xfrm>
+          <a:prstGeom prst="rect">
+            <a:avLst/>
+          </a:prstGeom>
+          <a:ln>
+            <a:noFill/>
+          </a:ln>
+        </p:spPr>
+        <p:style>
+          <a:lnRef idx="2">
+            <a:schemeClr val="accent1">
+              <a:shade val="50000"/>
+            </a:schemeClr>
+          </a:lnRef>
+          <a:fillRef idx="1">
+            <a:schemeClr val="accent1"/>
+          </a:fillRef>
+          <a:effectRef idx="0">
+            <a:schemeClr val="accent1"/>
+          </a:effectRef>
+          <a:fontRef idx="minor">
+            <a:schemeClr val="lt1"/>
+          </a:fontRef>
+        </p:style>
+        <p:txBody>
+          <a:bodyPr rtlCol="0" anchor="ctr"/>
+          <a:lstStyle/>
+          <a:p>
+            <a:pPr algn="ctr"/>
+            <a:endParaRPr lang="en-US"/>
+          </a:p>
+        </p:txBody>
+      </p:sp>
+      <p:sp>
+        <p:nvSpPr>
+          <p:cNvPr id="7183" name="Rectangle 7182">
+            <a:extLst>
+              <a:ext uri="{FF2B5EF4-FFF2-40B4-BE49-F238E27FC236}">
+                <a16:creationId xmlns:a16="http://schemas.microsoft.com/office/drawing/2014/main" id="{99AAB0AE-172B-4FB4-80C2-86CD6B824220}"/>
+              </a:ext>
+              <a:ext uri="{C183D7F6-B498-43B3-948B-1728B52AA6E4}">
+                <adec:decorative xmlns:adec="http://schemas.microsoft.com/office/drawing/2017/decorative" val="1"/>
+              </a:ext>
+            </a:extLst>
+          </p:cNvPr>
+          <p:cNvSpPr>
+            <a:spLocks noGrp="1" noRot="1" noChangeAspect="1" noMove="1" noResize="1" noEditPoints="1" noAdjustHandles="1" noChangeArrowheads="1" noChangeShapeType="1" noTextEdit="1"/>
+          </p:cNvSpPr>
+          <p:nvPr>
+            <p:extLst>
+              <p:ext uri="{386F3935-93C4-4BCD-93E2-E3B085C9AB24}">
+                <p16:designElem xmlns:p16="http://schemas.microsoft.com/office/powerpoint/2015/main" val="1"/>
+              </p:ext>
+            </p:extLst>
+          </p:nvPr>
+        </p:nvSpPr>
+        <p:spPr>
+          <a:xfrm>
+            <a:off x="477012" y="480060"/>
+            <a:ext cx="11237976" cy="5897880"/>
+          </a:xfrm>
+          <a:prstGeom prst="rect">
+            <a:avLst/>
+          </a:prstGeom>
+          <a:solidFill>
+            <a:schemeClr val="bg1"/>
+          </a:solidFill>
+          <a:ln w="22225">
+            <a:solidFill>
+              <a:srgbClr val="65A9F4"/>
+            </a:solidFill>
+          </a:ln>
+        </p:spPr>
+        <p:style>
+          <a:lnRef idx="2">
+            <a:schemeClr val="accent1">
+              <a:shade val="50000"/>
+            </a:schemeClr>
+          </a:lnRef>
+          <a:fillRef idx="1">
+            <a:schemeClr val="accent1"/>
+          </a:fillRef>
+          <a:effectRef idx="0">
+            <a:schemeClr val="accent1"/>
+          </a:effectRef>
+          <a:fontRef idx="minor">
+            <a:schemeClr val="lt1"/>
+          </a:fontRef>
+        </p:style>
+        <p:txBody>
+          <a:bodyPr rtlCol="0" anchor="ctr"/>
+          <a:lstStyle/>
+          <a:p>
+            <a:pPr algn="ctr"/>
+            <a:endParaRPr lang="en-US"/>
+          </a:p>
+        </p:txBody>
+      </p:sp>
+      <p:pic>
+        <p:nvPicPr>
+          <p:cNvPr id="7170" name="Picture 2" descr="Principal component analysis (PCA)">
+            <a:extLst>
+              <a:ext uri="{FF2B5EF4-FFF2-40B4-BE49-F238E27FC236}">
+                <a16:creationId xmlns:a16="http://schemas.microsoft.com/office/drawing/2014/main" id="{FD7DF900-915C-4A5E-7E6F-EC31B61DEBC1}"/>
+              </a:ext>
+            </a:extLst>
+          </p:cNvPr>
+          <p:cNvPicPr>
+            <a:picLocks noGrp="1" noChangeAspect="1" noChangeArrowheads="1"/>
+          </p:cNvPicPr>
+          <p:nvPr>
+            <p:ph idx="1"/>
+          </p:nvPr>
+        </p:nvPicPr>
+        <p:blipFill>
+          <a:blip r:embed="rId3">
+            <a:extLst>
+              <a:ext uri="{28A0092B-C50C-407E-A947-70E740481C1C}">
+                <a14:useLocalDpi xmlns:a14="http://schemas.microsoft.com/office/drawing/2010/main" val="0"/>
+              </a:ext>
+            </a:extLst>
+          </a:blip>
+          <a:stretch>
+            <a:fillRect/>
+          </a:stretch>
+        </p:blipFill>
+        <p:spPr bwMode="auto">
+          <a:xfrm>
+            <a:off x="643467" y="1452458"/>
+            <a:ext cx="10905066" cy="3953084"/>
+          </a:xfrm>
+          <a:prstGeom prst="rect">
+            <a:avLst/>
+          </a:prstGeom>
+          <a:noFill/>
+          <a:extLst>
+            <a:ext uri="{909E8E84-426E-40DD-AFC4-6F175D3DCCD1}">
+              <a14:hiddenFill xmlns:a14="http://schemas.microsoft.com/office/drawing/2010/main">
+                <a:solidFill>
+                  <a:srgbClr val="FFFFFF"/>
+                </a:solidFill>
+              </a14:hiddenFill>
+            </a:ext>
+          </a:extLst>
+        </p:spPr>
+      </p:pic>
+    </p:spTree>
+    <p:extLst>
+      <p:ext uri="{BB962C8B-B14F-4D97-AF65-F5344CB8AC3E}">
+        <p14:creationId xmlns:p14="http://schemas.microsoft.com/office/powerpoint/2010/main" val="277644848"/>
+      </p:ext>
+    </p:extLst>
+  </p:cSld>
+  <p:clrMapOvr>
+    <a:masterClrMapping/>
+  </p:clrMapOvr>
+</p:sld>
+</file>
+
+<file path=ppt/slides/slide21.xml><?xml version="1.0" encoding="utf-8"?>
+<p:sld xmlns:a="http://schemas.openxmlformats.org/drawingml/2006/main" xmlns:r="http://schemas.openxmlformats.org/officeDocument/2006/relationships" xmlns:p="http://schemas.openxmlformats.org/presentationml/2006/main">
+  <p:cSld>
+    <p:spTree>
+      <p:nvGrpSpPr>
+        <p:cNvPr id="1" name=""/>
+        <p:cNvGrpSpPr/>
+        <p:nvPr/>
+      </p:nvGrpSpPr>
+      <p:grpSpPr>
+        <a:xfrm>
+          <a:off x="0" y="0"/>
+          <a:ext cx="0" cy="0"/>
+          <a:chOff x="0" y="0"/>
+          <a:chExt cx="0" cy="0"/>
+        </a:xfrm>
+      </p:grpSpPr>
+      <p:sp>
+        <p:nvSpPr>
+          <p:cNvPr id="2" name="Title 1">
+            <a:extLst>
+              <a:ext uri="{FF2B5EF4-FFF2-40B4-BE49-F238E27FC236}">
+                <a16:creationId xmlns:a16="http://schemas.microsoft.com/office/drawing/2014/main" id="{0F60AC1F-1A89-E349-8CBB-0FF1FC6FBD9B}"/>
+              </a:ext>
+            </a:extLst>
+          </p:cNvPr>
+          <p:cNvSpPr>
+            <a:spLocks noGrp="1"/>
+          </p:cNvSpPr>
+          <p:nvPr>
+            <p:ph type="title"/>
+          </p:nvPr>
+        </p:nvSpPr>
+        <p:spPr/>
+        <p:txBody>
+          <a:bodyPr/>
+          <a:lstStyle/>
+          <a:p>
+            <a:r>
+              <a:rPr lang="en-US" dirty="0"/>
+              <a:t>Animated and Interactive</a:t>
+            </a:r>
+          </a:p>
+        </p:txBody>
+      </p:sp>
+      <p:sp>
+        <p:nvSpPr>
+          <p:cNvPr id="3" name="Content Placeholder 2">
+            <a:extLst>
+              <a:ext uri="{FF2B5EF4-FFF2-40B4-BE49-F238E27FC236}">
+                <a16:creationId xmlns:a16="http://schemas.microsoft.com/office/drawing/2014/main" id="{583680F7-5D99-FC47-B0EB-07BB17F29FAE}"/>
+              </a:ext>
+            </a:extLst>
+          </p:cNvPr>
+          <p:cNvSpPr>
+            <a:spLocks noGrp="1"/>
+          </p:cNvSpPr>
+          <p:nvPr>
+            <p:ph idx="1"/>
+          </p:nvPr>
+        </p:nvSpPr>
+        <p:spPr/>
+        <p:txBody>
+          <a:bodyPr/>
+          <a:lstStyle/>
+          <a:p>
+            <a:r>
+              <a:rPr lang="en-US" dirty="0"/>
+              <a:t>Check: </a:t>
+            </a:r>
+            <a:r>
+              <a:rPr lang="en-US" dirty="0">
+                <a:hlinkClick r:id="rId2"/>
+              </a:rPr>
+              <a:t>https://setosa.io/ev/principal-component-analysis/</a:t>
+            </a:r>
+            <a:r>
+              <a:rPr lang="en-US" dirty="0"/>
+              <a:t> </a:t>
+            </a:r>
+          </a:p>
+        </p:txBody>
+      </p:sp>
+    </p:spTree>
+    <p:extLst>
+      <p:ext uri="{BB962C8B-B14F-4D97-AF65-F5344CB8AC3E}">
+        <p14:creationId xmlns:p14="http://schemas.microsoft.com/office/powerpoint/2010/main" val="3995485896"/>
+      </p:ext>
+    </p:extLst>
+  </p:cSld>
+  <p:clrMapOvr>
+    <a:masterClrMapping/>
+  </p:clrMapOvr>
+</p:sld>
+</file>
+
+<file path=ppt/slides/slide22.xml><?xml version="1.0" encoding="utf-8"?>
+<p:sld xmlns:a="http://schemas.openxmlformats.org/drawingml/2006/main" xmlns:r="http://schemas.openxmlformats.org/officeDocument/2006/relationships" xmlns:p="http://schemas.openxmlformats.org/presentationml/2006/main">
+  <p:cSld>
+    <p:spTree>
+      <p:nvGrpSpPr>
+        <p:cNvPr id="1" name=""/>
+        <p:cNvGrpSpPr/>
+        <p:nvPr/>
+      </p:nvGrpSpPr>
+      <p:grpSpPr>
+        <a:xfrm>
+          <a:off x="0" y="0"/>
+          <a:ext cx="0" cy="0"/>
+          <a:chOff x="0" y="0"/>
+          <a:chExt cx="0" cy="0"/>
+        </a:xfrm>
+      </p:grpSpPr>
+      <p:sp>
+        <p:nvSpPr>
+          <p:cNvPr id="2" name="Title 1">
+            <a:extLst>
+              <a:ext uri="{FF2B5EF4-FFF2-40B4-BE49-F238E27FC236}">
+                <a16:creationId xmlns:a16="http://schemas.microsoft.com/office/drawing/2014/main" id="{B31C9725-10EC-544E-B25A-DA63D49E1460}"/>
+              </a:ext>
+            </a:extLst>
+          </p:cNvPr>
+          <p:cNvSpPr>
+            <a:spLocks noGrp="1"/>
+          </p:cNvSpPr>
+          <p:nvPr>
+            <p:ph type="title"/>
+          </p:nvPr>
+        </p:nvSpPr>
+        <p:spPr/>
+        <p:txBody>
+          <a:bodyPr/>
+          <a:lstStyle/>
+          <a:p>
+            <a:r>
+              <a:rPr lang="en-US" dirty="0"/>
+              <a:t>PCA and Variance</a:t>
+            </a:r>
+          </a:p>
+        </p:txBody>
+      </p:sp>
+      <p:sp>
+        <p:nvSpPr>
+          <p:cNvPr id="3" name="Content Placeholder 2">
+            <a:extLst>
+              <a:ext uri="{FF2B5EF4-FFF2-40B4-BE49-F238E27FC236}">
+                <a16:creationId xmlns:a16="http://schemas.microsoft.com/office/drawing/2014/main" id="{199DE5C1-FC27-AC4F-97AE-BA10AFD20E95}"/>
+              </a:ext>
+            </a:extLst>
+          </p:cNvPr>
+          <p:cNvSpPr>
+            <a:spLocks noGrp="1"/>
+          </p:cNvSpPr>
+          <p:nvPr>
+            <p:ph idx="1"/>
+          </p:nvPr>
+        </p:nvSpPr>
+        <p:spPr/>
+        <p:txBody>
+          <a:bodyPr/>
+          <a:lstStyle/>
+          <a:p>
+            <a:r>
+              <a:rPr lang="en-US" dirty="0"/>
+              <a:t>PCA frequently refers to variance. </a:t>
+            </a:r>
+          </a:p>
+          <a:p>
+            <a:r>
+              <a:rPr lang="en-US" dirty="0"/>
+              <a:t>Each feature “explains” some amount of the variance in a target.  </a:t>
+            </a:r>
+          </a:p>
+          <a:p>
+            <a:pPr lvl="1"/>
+            <a:r>
+              <a:rPr lang="en-US" dirty="0"/>
+              <a:t>The more a target varies with a feature, the more that feature explains it. </a:t>
+            </a:r>
+          </a:p>
+          <a:p>
+            <a:pPr lvl="1"/>
+            <a:r>
+              <a:rPr lang="en-US" dirty="0"/>
+              <a:t>Think of correlation.</a:t>
+            </a:r>
+          </a:p>
+          <a:p>
+            <a:r>
+              <a:rPr lang="en-US" dirty="0"/>
+              <a:t>PCA takes the components that explain most of the variance, and ditches those that explain only a small amount. </a:t>
+            </a:r>
+          </a:p>
+          <a:p>
+            <a:r>
+              <a:rPr lang="en-US" dirty="0"/>
+              <a:t>Result – we can find most of the info on our target, with fewer inputs to a model. </a:t>
+            </a:r>
+          </a:p>
+        </p:txBody>
+      </p:sp>
+    </p:spTree>
+    <p:extLst>
+      <p:ext uri="{BB962C8B-B14F-4D97-AF65-F5344CB8AC3E}">
+        <p14:creationId xmlns:p14="http://schemas.microsoft.com/office/powerpoint/2010/main" val="3110164836"/>
+      </p:ext>
+    </p:extLst>
+  </p:cSld>
+  <p:clrMapOvr>
+    <a:masterClrMapping/>
+  </p:clrMapOvr>
+</p:sld>
+</file>
+
+<file path=ppt/slides/slide23.xml><?xml version="1.0" encoding="utf-8"?>
+<p:sld xmlns:a="http://schemas.openxmlformats.org/drawingml/2006/main" xmlns:r="http://schemas.openxmlformats.org/officeDocument/2006/relationships" xmlns:p="http://schemas.openxmlformats.org/presentationml/2006/main">
+  <p:cSld>
+    <p:spTree>
+      <p:nvGrpSpPr>
+        <p:cNvPr id="1" name=""/>
+        <p:cNvGrpSpPr/>
+        <p:nvPr/>
+      </p:nvGrpSpPr>
+      <p:grpSpPr>
+        <a:xfrm>
+          <a:off x="0" y="0"/>
+          <a:ext cx="0" cy="0"/>
+          <a:chOff x="0" y="0"/>
+          <a:chExt cx="0" cy="0"/>
+        </a:xfrm>
+      </p:grpSpPr>
+      <p:sp>
+        <p:nvSpPr>
+          <p:cNvPr id="2" name="Title 1">
+            <a:extLst>
+              <a:ext uri="{FF2B5EF4-FFF2-40B4-BE49-F238E27FC236}">
+                <a16:creationId xmlns:a16="http://schemas.microsoft.com/office/drawing/2014/main" id="{57DE54DA-2B8F-EF47-8188-3C90139C724D}"/>
+              </a:ext>
+            </a:extLst>
+          </p:cNvPr>
+          <p:cNvSpPr>
+            <a:spLocks noGrp="1"/>
+          </p:cNvSpPr>
+          <p:nvPr>
+            <p:ph type="title"/>
+          </p:nvPr>
+        </p:nvSpPr>
+        <p:spPr/>
+        <p:txBody>
+          <a:bodyPr/>
+          <a:lstStyle/>
+          <a:p>
+            <a:r>
+              <a:rPr lang="en-US" dirty="0"/>
+              <a:t>PCA and Feature selection</a:t>
+            </a:r>
+          </a:p>
+        </p:txBody>
+      </p:sp>
+      <p:sp>
+        <p:nvSpPr>
+          <p:cNvPr id="3" name="Content Placeholder 2">
+            <a:extLst>
+              <a:ext uri="{FF2B5EF4-FFF2-40B4-BE49-F238E27FC236}">
+                <a16:creationId xmlns:a16="http://schemas.microsoft.com/office/drawing/2014/main" id="{B37D785B-A1DC-CC4B-B756-ACF2A6265C65}"/>
+              </a:ext>
+            </a:extLst>
+          </p:cNvPr>
+          <p:cNvSpPr>
+            <a:spLocks noGrp="1"/>
+          </p:cNvSpPr>
+          <p:nvPr>
+            <p:ph idx="1"/>
+          </p:nvPr>
+        </p:nvSpPr>
+        <p:spPr>
+          <a:xfrm>
+            <a:off x="1451579" y="2015732"/>
+            <a:ext cx="9603275" cy="4037749"/>
+          </a:xfrm>
+        </p:spPr>
+        <p:txBody>
+          <a:bodyPr/>
+          <a:lstStyle/>
+          <a:p>
+            <a:r>
+              <a:rPr lang="en-US" dirty="0"/>
+              <a:t>PCA reduces dimensionality, just like feature selection. </a:t>
+            </a:r>
+          </a:p>
+          <a:p>
+            <a:r>
+              <a:rPr lang="en-US" dirty="0"/>
+              <a:t>PCA isn’t feature selection:</a:t>
+            </a:r>
+          </a:p>
+          <a:p>
+            <a:pPr lvl="1"/>
+            <a:r>
+              <a:rPr lang="en-US" dirty="0"/>
+              <a:t>Feature selection removes features. </a:t>
+            </a:r>
+          </a:p>
+          <a:p>
+            <a:pPr lvl="1"/>
+            <a:r>
+              <a:rPr lang="en-US" dirty="0"/>
+              <a:t>PCA removes components that are created from a mixture of those features. </a:t>
+            </a:r>
+          </a:p>
+          <a:p>
+            <a:pPr lvl="1"/>
+            <a:r>
+              <a:rPr lang="en-US" dirty="0"/>
+              <a:t>With PCA the features themselves aren’t removed. </a:t>
+            </a:r>
+          </a:p>
+          <a:p>
+            <a:r>
+              <a:rPr lang="en-US" dirty="0"/>
+              <a:t>In general:</a:t>
+            </a:r>
+          </a:p>
+          <a:p>
+            <a:pPr lvl="1"/>
+            <a:r>
+              <a:rPr lang="en-US" dirty="0"/>
+              <a:t>Feature selection is still good, especially if there are features that are minimally helpful. </a:t>
+            </a:r>
+          </a:p>
+          <a:p>
+            <a:pPr lvl="1"/>
+            <a:r>
+              <a:rPr lang="en-US" dirty="0"/>
+              <a:t>PCA is most useful when the dimensionality is very high. </a:t>
+            </a:r>
+          </a:p>
+          <a:p>
+            <a:pPr lvl="1"/>
+            <a:r>
+              <a:rPr lang="en-US" dirty="0"/>
+              <a:t>One, the other, or both may be useful - it depends on the scenario. </a:t>
+            </a:r>
+          </a:p>
+        </p:txBody>
+      </p:sp>
+    </p:spTree>
+    <p:extLst>
+      <p:ext uri="{BB962C8B-B14F-4D97-AF65-F5344CB8AC3E}">
+        <p14:creationId xmlns:p14="http://schemas.microsoft.com/office/powerpoint/2010/main" val="3699061146"/>
+      </p:ext>
+    </p:extLst>
+  </p:cSld>
+  <p:clrMapOvr>
+    <a:masterClrMapping/>
+  </p:clrMapOvr>
+</p:sld>
+</file>
+
+<file path=ppt/slides/slide24.xml><?xml version="1.0" encoding="utf-8"?>
+<p:sld xmlns:a="http://schemas.openxmlformats.org/drawingml/2006/main" xmlns:r="http://schemas.openxmlformats.org/officeDocument/2006/relationships" xmlns:p="http://schemas.openxmlformats.org/presentationml/2006/main">
+  <p:cSld>
+    <p:spTree>
+      <p:nvGrpSpPr>
+        <p:cNvPr id="1" name=""/>
+        <p:cNvGrpSpPr/>
+        <p:nvPr/>
+      </p:nvGrpSpPr>
+      <p:grpSpPr>
+        <a:xfrm>
+          <a:off x="0" y="0"/>
+          <a:ext cx="0" cy="0"/>
+          <a:chOff x="0" y="0"/>
+          <a:chExt cx="0" cy="0"/>
+        </a:xfrm>
+      </p:grpSpPr>
+      <p:sp>
+        <p:nvSpPr>
+          <p:cNvPr id="2" name="Title 1">
+            <a:extLst>
+              <a:ext uri="{FF2B5EF4-FFF2-40B4-BE49-F238E27FC236}">
+                <a16:creationId xmlns:a16="http://schemas.microsoft.com/office/drawing/2014/main" id="{270DB96B-2245-B653-44DC-751A2300836E}"/>
+              </a:ext>
+            </a:extLst>
+          </p:cNvPr>
+          <p:cNvSpPr>
+            <a:spLocks noGrp="1"/>
+          </p:cNvSpPr>
+          <p:nvPr>
+            <p:ph type="title"/>
+          </p:nvPr>
+        </p:nvSpPr>
+        <p:spPr/>
+        <p:txBody>
+          <a:bodyPr/>
+          <a:lstStyle/>
+          <a:p>
+            <a:r>
+              <a:rPr lang="en-US" dirty="0"/>
+              <a:t>PCA vs Feature Selection</a:t>
+            </a:r>
+          </a:p>
+        </p:txBody>
+      </p:sp>
+      <p:sp>
+        <p:nvSpPr>
+          <p:cNvPr id="3" name="Content Placeholder 2">
+            <a:extLst>
+              <a:ext uri="{FF2B5EF4-FFF2-40B4-BE49-F238E27FC236}">
+                <a16:creationId xmlns:a16="http://schemas.microsoft.com/office/drawing/2014/main" id="{F634BE32-1927-CB57-D0CB-CE0C965F7C62}"/>
+              </a:ext>
+            </a:extLst>
+          </p:cNvPr>
+          <p:cNvSpPr>
+            <a:spLocks noGrp="1"/>
+          </p:cNvSpPr>
+          <p:nvPr>
+            <p:ph idx="1"/>
+          </p:nvPr>
+        </p:nvSpPr>
+        <p:spPr>
+          <a:xfrm>
+            <a:off x="0" y="2015732"/>
+            <a:ext cx="7151405" cy="4037749"/>
+          </a:xfrm>
+        </p:spPr>
+        <p:txBody>
+          <a:bodyPr>
+            <a:normAutofit/>
+          </a:bodyPr>
+          <a:lstStyle/>
+          <a:p>
+            <a:r>
+              <a:rPr lang="en-US" dirty="0"/>
+              <a:t>We can look at an image for a more clear example. </a:t>
+            </a:r>
+          </a:p>
+          <a:p>
+            <a:r>
+              <a:rPr lang="en-US" dirty="0"/>
+              <a:t>If we feature select, we lose a pixel (1 feature). </a:t>
+            </a:r>
+          </a:p>
+          <a:p>
+            <a:pPr lvl="1"/>
+            <a:r>
+              <a:rPr lang="en-US" dirty="0"/>
+              <a:t>This might not be too bad here, some pixels around the edge probably don’t matter much. </a:t>
+            </a:r>
+          </a:p>
+          <a:p>
+            <a:pPr lvl="1"/>
+            <a:r>
+              <a:rPr lang="en-US" dirty="0"/>
+              <a:t>Lose all of one specific part of the data. </a:t>
+            </a:r>
+          </a:p>
+          <a:p>
+            <a:r>
+              <a:rPr lang="en-US" dirty="0"/>
+              <a:t>If we PCA, we lose a component. </a:t>
+            </a:r>
+          </a:p>
+          <a:p>
+            <a:pPr lvl="1"/>
+            <a:r>
+              <a:rPr lang="en-US" dirty="0"/>
+              <a:t>This component is constructed of some information in each pixel. </a:t>
+            </a:r>
+          </a:p>
+          <a:p>
+            <a:pPr lvl="1"/>
+            <a:r>
+              <a:rPr lang="en-US" dirty="0"/>
+              <a:t>Some matter more, so the least useful component ‘has’ less info. </a:t>
+            </a:r>
+          </a:p>
+          <a:p>
+            <a:pPr lvl="1"/>
+            <a:r>
+              <a:rPr lang="en-US" dirty="0"/>
+              <a:t>Lose a ‘little off the top’ from all parts of the data. </a:t>
+            </a:r>
+          </a:p>
+        </p:txBody>
+      </p:sp>
+      <p:pic>
+        <p:nvPicPr>
+          <p:cNvPr id="8194" name="Picture 2" descr="20. Training and Testing with MNIST | Machine Learning">
+            <a:extLst>
+              <a:ext uri="{FF2B5EF4-FFF2-40B4-BE49-F238E27FC236}">
+                <a16:creationId xmlns:a16="http://schemas.microsoft.com/office/drawing/2014/main" id="{5C037F62-3B7C-A8DA-3C38-09C45206EB37}"/>
+              </a:ext>
+            </a:extLst>
+          </p:cNvPr>
+          <p:cNvPicPr>
+            <a:picLocks noChangeAspect="1" noChangeArrowheads="1"/>
+          </p:cNvPicPr>
+          <p:nvPr/>
+        </p:nvPicPr>
+        <p:blipFill>
+          <a:blip r:embed="rId2">
+            <a:extLst>
+              <a:ext uri="{28A0092B-C50C-407E-A947-70E740481C1C}">
+                <a14:useLocalDpi xmlns:a14="http://schemas.microsoft.com/office/drawing/2010/main" val="0"/>
+              </a:ext>
+            </a:extLst>
+          </a:blip>
+          <a:srcRect/>
+          <a:stretch>
+            <a:fillRect/>
+          </a:stretch>
+        </p:blipFill>
+        <p:spPr bwMode="auto">
+          <a:xfrm>
+            <a:off x="7151404" y="1853754"/>
+            <a:ext cx="5040596" cy="5004246"/>
+          </a:xfrm>
+          <a:prstGeom prst="rect">
+            <a:avLst/>
+          </a:prstGeom>
+          <a:noFill/>
+          <a:extLst>
+            <a:ext uri="{909E8E84-426E-40DD-AFC4-6F175D3DCCD1}">
+              <a14:hiddenFill xmlns:a14="http://schemas.microsoft.com/office/drawing/2010/main">
+                <a:solidFill>
+                  <a:srgbClr val="FFFFFF"/>
+                </a:solidFill>
+              </a14:hiddenFill>
+            </a:ext>
+          </a:extLst>
+        </p:spPr>
+      </p:pic>
+    </p:spTree>
+    <p:extLst>
+      <p:ext uri="{BB962C8B-B14F-4D97-AF65-F5344CB8AC3E}">
+        <p14:creationId xmlns:p14="http://schemas.microsoft.com/office/powerpoint/2010/main" val="1308857090"/>
+      </p:ext>
+    </p:extLst>
+  </p:cSld>
+  <p:clrMapOvr>
+    <a:masterClrMapping/>
+  </p:clrMapOvr>
+</p:sld>
+</file>
+
+<file path=ppt/slides/slide25.xml><?xml version="1.0" encoding="utf-8"?>
+<p:sld xmlns:a="http://schemas.openxmlformats.org/drawingml/2006/main" xmlns:r="http://schemas.openxmlformats.org/officeDocument/2006/relationships" xmlns:p="http://schemas.openxmlformats.org/presentationml/2006/main">
+  <p:cSld>
+    <p:spTree>
+      <p:nvGrpSpPr>
+        <p:cNvPr id="1" name=""/>
+        <p:cNvGrpSpPr/>
+        <p:nvPr/>
+      </p:nvGrpSpPr>
+      <p:grpSpPr>
+        <a:xfrm>
+          <a:off x="0" y="0"/>
+          <a:ext cx="0" cy="0"/>
+          <a:chOff x="0" y="0"/>
+          <a:chExt cx="0" cy="0"/>
+        </a:xfrm>
+      </p:grpSpPr>
+      <p:sp>
+        <p:nvSpPr>
+          <p:cNvPr id="2" name="Title 1">
+            <a:extLst>
+              <a:ext uri="{FF2B5EF4-FFF2-40B4-BE49-F238E27FC236}">
+                <a16:creationId xmlns:a16="http://schemas.microsoft.com/office/drawing/2014/main" id="{3DACE651-EC8C-DD45-BB6E-DAD02431BA16}"/>
+              </a:ext>
+            </a:extLst>
+          </p:cNvPr>
+          <p:cNvSpPr>
+            <a:spLocks noGrp="1"/>
+          </p:cNvSpPr>
+          <p:nvPr>
+            <p:ph type="title"/>
+          </p:nvPr>
+        </p:nvSpPr>
+        <p:spPr/>
+        <p:txBody>
+          <a:bodyPr/>
+          <a:lstStyle/>
+          <a:p>
+            <a:r>
+              <a:rPr lang="en-US" dirty="0"/>
+              <a:t>PCA Conclusion</a:t>
+            </a:r>
+          </a:p>
+        </p:txBody>
+      </p:sp>
+      <p:sp>
+        <p:nvSpPr>
+          <p:cNvPr id="3" name="Content Placeholder 2">
+            <a:extLst>
+              <a:ext uri="{FF2B5EF4-FFF2-40B4-BE49-F238E27FC236}">
+                <a16:creationId xmlns:a16="http://schemas.microsoft.com/office/drawing/2014/main" id="{43488950-6E4D-0B49-B241-5F1A8E72A974}"/>
+              </a:ext>
+            </a:extLst>
+          </p:cNvPr>
+          <p:cNvSpPr>
+            <a:spLocks noGrp="1"/>
+          </p:cNvSpPr>
+          <p:nvPr>
+            <p:ph idx="1"/>
+          </p:nvPr>
+        </p:nvSpPr>
+        <p:spPr/>
+        <p:txBody>
+          <a:bodyPr/>
+          <a:lstStyle/>
+          <a:p>
+            <a:r>
+              <a:rPr lang="en-US" dirty="0"/>
+              <a:t>PCA is quite common, especially when there are a lot of features. </a:t>
+            </a:r>
+          </a:p>
+          <a:p>
+            <a:r>
+              <a:rPr lang="en-US" dirty="0"/>
+              <a:t>PCA can also serve to help with noise reduction – large feature sets, high irreducible error – picks the important bits of value out, and shrinks the dataset. </a:t>
+            </a:r>
+          </a:p>
+          <a:p>
+            <a:r>
+              <a:rPr lang="en-US" dirty="0"/>
+              <a:t>PCA does not work with categorical variables. </a:t>
+            </a:r>
+          </a:p>
+          <a:p>
+            <a:r>
+              <a:rPr lang="en-US" dirty="0"/>
+              <a:t>PCA needs scaling to be reliable. </a:t>
+            </a:r>
+          </a:p>
+          <a:p>
+            <a:r>
+              <a:rPr lang="en-US" dirty="0"/>
+              <a:t>PCA is susceptible to outliers. </a:t>
+            </a:r>
+          </a:p>
+        </p:txBody>
+      </p:sp>
+    </p:spTree>
+    <p:extLst>
+      <p:ext uri="{BB962C8B-B14F-4D97-AF65-F5344CB8AC3E}">
+        <p14:creationId xmlns:p14="http://schemas.microsoft.com/office/powerpoint/2010/main" val="4195797651"/>
+      </p:ext>
+    </p:extLst>
+  </p:cSld>
+  <p:clrMapOvr>
+    <a:masterClrMapping/>
+  </p:clrMapOvr>
+</p:sld>
+</file>
+
+<file path=ppt/slides/slide3.xml><?xml version="1.0" encoding="utf-8"?>
+<p:sld xmlns:a="http://schemas.openxmlformats.org/drawingml/2006/main" xmlns:r="http://schemas.openxmlformats.org/officeDocument/2006/relationships" xmlns:p="http://schemas.openxmlformats.org/presentationml/2006/main">
+  <p:cSld>
+    <p:spTree>
+      <p:nvGrpSpPr>
+        <p:cNvPr id="1" name=""/>
+        <p:cNvGrpSpPr/>
+        <p:nvPr/>
+      </p:nvGrpSpPr>
+      <p:grpSpPr>
+        <a:xfrm>
+          <a:off x="0" y="0"/>
+          <a:ext cx="0" cy="0"/>
+          <a:chOff x="0" y="0"/>
+          <a:chExt cx="0" cy="0"/>
+        </a:xfrm>
+      </p:grpSpPr>
+      <p:sp>
+        <p:nvSpPr>
+          <p:cNvPr id="2" name="Title 1">
+            <a:extLst>
+              <a:ext uri="{FF2B5EF4-FFF2-40B4-BE49-F238E27FC236}">
+                <a16:creationId xmlns:a16="http://schemas.microsoft.com/office/drawing/2014/main" id="{620E2A23-A96E-8F46-ADBF-ABF3D4E3BC0E}"/>
+              </a:ext>
+            </a:extLst>
+          </p:cNvPr>
+          <p:cNvSpPr>
+            <a:spLocks noGrp="1"/>
+          </p:cNvSpPr>
+          <p:nvPr>
+            <p:ph type="title"/>
+          </p:nvPr>
+        </p:nvSpPr>
+        <p:spPr/>
+        <p:txBody>
+          <a:bodyPr/>
+          <a:lstStyle/>
+          <a:p>
+            <a:r>
+              <a:rPr lang="en-US" dirty="0"/>
+              <a:t>Truncated SVD Review and PCA</a:t>
+            </a:r>
+          </a:p>
+        </p:txBody>
+      </p:sp>
+      <p:sp>
+        <p:nvSpPr>
+          <p:cNvPr id="3" name="Content Placeholder 2">
+            <a:extLst>
+              <a:ext uri="{FF2B5EF4-FFF2-40B4-BE49-F238E27FC236}">
+                <a16:creationId xmlns:a16="http://schemas.microsoft.com/office/drawing/2014/main" id="{D591EA10-72EC-D74C-89BC-ED4C5EC4E046}"/>
+              </a:ext>
+            </a:extLst>
+          </p:cNvPr>
+          <p:cNvSpPr>
+            <a:spLocks noGrp="1"/>
+          </p:cNvSpPr>
+          <p:nvPr>
+            <p:ph idx="1"/>
+          </p:nvPr>
+        </p:nvSpPr>
+        <p:spPr/>
+        <p:txBody>
+          <a:bodyPr/>
+          <a:lstStyle/>
+          <a:p>
+            <a:r>
+              <a:rPr lang="en-US" dirty="0"/>
+              <a:t>In processing text we looked at Truncated SVD. </a:t>
+            </a:r>
+          </a:p>
+          <a:p>
+            <a:r>
+              <a:rPr lang="en-US" dirty="0"/>
+              <a:t>TSVD took high dimension features (from text) and transformed it to a much lower dimension feature set. </a:t>
+            </a:r>
+          </a:p>
+          <a:p>
+            <a:r>
+              <a:rPr lang="en-US" dirty="0"/>
+              <a:t>Truncated SVD is one algorithm for dimensional reduction. </a:t>
+            </a:r>
+          </a:p>
+          <a:p>
+            <a:endParaRPr lang="en-US" dirty="0"/>
+          </a:p>
+          <a:p>
+            <a:r>
+              <a:rPr lang="en-US" dirty="0"/>
+              <a:t>PCA – Principal component analysis is another dimensionality reduction method that is very common in general predictive modelling. </a:t>
+            </a:r>
+          </a:p>
+        </p:txBody>
+      </p:sp>
+    </p:spTree>
+    <p:extLst>
+      <p:ext uri="{BB962C8B-B14F-4D97-AF65-F5344CB8AC3E}">
+        <p14:creationId xmlns:p14="http://schemas.microsoft.com/office/powerpoint/2010/main" val="3323265559"/>
+      </p:ext>
+    </p:extLst>
+  </p:cSld>
+  <p:clrMapOvr>
+    <a:masterClrMapping/>
+  </p:clrMapOvr>
+</p:sld>
+</file>
+
+<file path=ppt/slides/slide4.xml><?xml version="1.0" encoding="utf-8"?>
+<p:sld xmlns:a="http://schemas.openxmlformats.org/drawingml/2006/main" xmlns:r="http://schemas.openxmlformats.org/officeDocument/2006/relationships" xmlns:p="http://schemas.openxmlformats.org/presentationml/2006/main">
+  <p:cSld>
+    <p:spTree>
+      <p:nvGrpSpPr>
+        <p:cNvPr id="1" name=""/>
+        <p:cNvGrpSpPr/>
+        <p:nvPr/>
+      </p:nvGrpSpPr>
+      <p:grpSpPr>
+        <a:xfrm>
+          <a:off x="0" y="0"/>
+          <a:ext cx="0" cy="0"/>
+          <a:chOff x="0" y="0"/>
+          <a:chExt cx="0" cy="0"/>
+        </a:xfrm>
+      </p:grpSpPr>
+      <p:sp>
+        <p:nvSpPr>
+          <p:cNvPr id="2" name="Title 1">
+            <a:extLst>
+              <a:ext uri="{FF2B5EF4-FFF2-40B4-BE49-F238E27FC236}">
+                <a16:creationId xmlns:a16="http://schemas.microsoft.com/office/drawing/2014/main" id="{BFAE40F4-111C-7644-87D5-7B34675A0A7D}"/>
+              </a:ext>
+            </a:extLst>
+          </p:cNvPr>
+          <p:cNvSpPr>
+            <a:spLocks noGrp="1"/>
+          </p:cNvSpPr>
+          <p:nvPr>
+            <p:ph type="title"/>
+          </p:nvPr>
+        </p:nvSpPr>
+        <p:spPr/>
+        <p:txBody>
+          <a:bodyPr/>
+          <a:lstStyle/>
+          <a:p>
+            <a:r>
+              <a:rPr lang="en-US" dirty="0"/>
+              <a:t>Unsupervised vs Supervised</a:t>
+            </a:r>
+          </a:p>
+        </p:txBody>
+      </p:sp>
+      <p:sp>
+        <p:nvSpPr>
+          <p:cNvPr id="3" name="Content Placeholder 2">
+            <a:extLst>
+              <a:ext uri="{FF2B5EF4-FFF2-40B4-BE49-F238E27FC236}">
+                <a16:creationId xmlns:a16="http://schemas.microsoft.com/office/drawing/2014/main" id="{1F12DE0A-1EC7-4A47-B62E-41547D564E22}"/>
+              </a:ext>
+            </a:extLst>
+          </p:cNvPr>
+          <p:cNvSpPr>
+            <a:spLocks noGrp="1"/>
+          </p:cNvSpPr>
+          <p:nvPr>
+            <p:ph idx="1"/>
+          </p:nvPr>
+        </p:nvSpPr>
+        <p:spPr>
+          <a:xfrm>
+            <a:off x="1451579" y="2015732"/>
+            <a:ext cx="9603275" cy="4037749"/>
+          </a:xfrm>
+        </p:spPr>
+        <p:txBody>
+          <a:bodyPr>
+            <a:normAutofit lnSpcReduction="10000"/>
+          </a:bodyPr>
+          <a:lstStyle/>
+          <a:p>
+            <a:r>
+              <a:rPr lang="en-US" dirty="0"/>
+              <a:t>PCA (and SVD) are both examples of Unsupervised Learning. </a:t>
+            </a:r>
+          </a:p>
+          <a:p>
+            <a:r>
+              <a:rPr lang="en-US" dirty="0"/>
+              <a:t>Classification and regression are examples of Supervised Learning. </a:t>
+            </a:r>
+          </a:p>
+          <a:p>
+            <a:endParaRPr lang="en-US" dirty="0"/>
+          </a:p>
+          <a:p>
+            <a:r>
+              <a:rPr lang="en-US" dirty="0"/>
+              <a:t>Supervised learning has labeled training data, unsupervised does not. </a:t>
+            </a:r>
+          </a:p>
+          <a:p>
+            <a:r>
+              <a:rPr lang="en-US" dirty="0"/>
+              <a:t>Unsupervised learning classes:</a:t>
+            </a:r>
+          </a:p>
+          <a:p>
+            <a:pPr lvl="1"/>
+            <a:r>
+              <a:rPr lang="en-US" dirty="0"/>
+              <a:t>Dimensional reduction (SVD and PCA). </a:t>
+            </a:r>
+          </a:p>
+          <a:p>
+            <a:pPr lvl="1"/>
+            <a:r>
+              <a:rPr lang="en-US" dirty="0"/>
+              <a:t>Clustering (next class)</a:t>
+            </a:r>
+          </a:p>
+          <a:p>
+            <a:pPr lvl="1"/>
+            <a:r>
+              <a:rPr lang="en-US" dirty="0"/>
+              <a:t>Association (e.g. market basket, such as Target’s pregnancy scoring)</a:t>
+            </a:r>
+          </a:p>
+          <a:p>
+            <a:r>
+              <a:rPr lang="en-US" dirty="0"/>
+              <a:t>Unsupervised learning generally looks to discover the underlying structure in data. </a:t>
+            </a:r>
+          </a:p>
+        </p:txBody>
+      </p:sp>
+    </p:spTree>
+    <p:extLst>
+      <p:ext uri="{BB962C8B-B14F-4D97-AF65-F5344CB8AC3E}">
+        <p14:creationId xmlns:p14="http://schemas.microsoft.com/office/powerpoint/2010/main" val="3787851192"/>
+      </p:ext>
+    </p:extLst>
+  </p:cSld>
+  <p:clrMapOvr>
+    <a:masterClrMapping/>
+  </p:clrMapOvr>
+</p:sld>
+</file>
+
+<file path=ppt/slides/slide5.xml><?xml version="1.0" encoding="utf-8"?>
+<p:sld xmlns:a="http://schemas.openxmlformats.org/drawingml/2006/main" xmlns:r="http://schemas.openxmlformats.org/officeDocument/2006/relationships" xmlns:p="http://schemas.openxmlformats.org/presentationml/2006/main">
+  <p:cSld>
+    <p:spTree>
+      <p:nvGrpSpPr>
+        <p:cNvPr id="1" name=""/>
+        <p:cNvGrpSpPr/>
+        <p:nvPr/>
+      </p:nvGrpSpPr>
+      <p:grpSpPr>
+        <a:xfrm>
+          <a:off x="0" y="0"/>
+          <a:ext cx="0" cy="0"/>
+          <a:chOff x="0" y="0"/>
+          <a:chExt cx="0" cy="0"/>
+        </a:xfrm>
+      </p:grpSpPr>
+      <p:sp>
+        <p:nvSpPr>
+          <p:cNvPr id="2" name="Title 1">
+            <a:extLst>
+              <a:ext uri="{FF2B5EF4-FFF2-40B4-BE49-F238E27FC236}">
+                <a16:creationId xmlns:a16="http://schemas.microsoft.com/office/drawing/2014/main" id="{A26E1616-3A2F-7D77-8862-ED62D15B237F}"/>
+              </a:ext>
+            </a:extLst>
+          </p:cNvPr>
+          <p:cNvSpPr>
+            <a:spLocks noGrp="1"/>
+          </p:cNvSpPr>
+          <p:nvPr>
+            <p:ph type="title"/>
+          </p:nvPr>
+        </p:nvSpPr>
+        <p:spPr/>
+        <p:txBody>
+          <a:bodyPr/>
+          <a:lstStyle/>
+          <a:p>
+            <a:r>
+              <a:rPr lang="en-US" dirty="0"/>
+              <a:t>PCA is Simple</a:t>
+            </a:r>
+          </a:p>
+        </p:txBody>
+      </p:sp>
+      <p:sp>
+        <p:nvSpPr>
+          <p:cNvPr id="3" name="Content Placeholder 2">
+            <a:extLst>
+              <a:ext uri="{FF2B5EF4-FFF2-40B4-BE49-F238E27FC236}">
+                <a16:creationId xmlns:a16="http://schemas.microsoft.com/office/drawing/2014/main" id="{CAF6AC99-5229-91DF-5522-2046980B0243}"/>
+              </a:ext>
+            </a:extLst>
+          </p:cNvPr>
+          <p:cNvSpPr>
+            <a:spLocks noGrp="1"/>
+          </p:cNvSpPr>
+          <p:nvPr>
+            <p:ph idx="1"/>
+          </p:nvPr>
+        </p:nvSpPr>
+        <p:spPr/>
+        <p:txBody>
+          <a:bodyPr/>
+          <a:lstStyle/>
+          <a:p>
+            <a:r>
+              <a:rPr lang="en-US" dirty="0"/>
+              <a:t>It’s art time, control your excitement. </a:t>
+            </a:r>
+          </a:p>
+        </p:txBody>
+      </p:sp>
+    </p:spTree>
+    <p:extLst>
+      <p:ext uri="{BB962C8B-B14F-4D97-AF65-F5344CB8AC3E}">
+        <p14:creationId xmlns:p14="http://schemas.microsoft.com/office/powerpoint/2010/main" val="3594832776"/>
+      </p:ext>
+    </p:extLst>
+  </p:cSld>
+  <p:clrMapOvr>
+    <a:masterClrMapping/>
+  </p:clrMapOvr>
+</p:sld>
+</file>
+
 <file path=ppt/slides/slide6.xml><?xml version="1.0" encoding="utf-8"?>
 <p:sld xmlns:a="http://schemas.openxmlformats.org/drawingml/2006/main" xmlns:r="http://schemas.openxmlformats.org/officeDocument/2006/relationships" xmlns:p="http://schemas.openxmlformats.org/presentationml/2006/main">
   <p:cSld>
@@ -4592,73 +6894,12 @@
           <a:chExt cx="0" cy="0"/>
         </a:xfrm>
       </p:grpSpPr>
-      <p:sp>
-        <p:nvSpPr>
-          <p:cNvPr id="2" name="Title 1">
-            <a:extLst>
-              <a:ext uri="{FF2B5EF4-FFF2-40B4-BE49-F238E27FC236}">
-                <a16:creationId xmlns:a16="http://schemas.microsoft.com/office/drawing/2014/main" id="{1EEDE371-6D64-D54F-A577-DA723AA41705}"/>
-              </a:ext>
-            </a:extLst>
-          </p:cNvPr>
-          <p:cNvSpPr>
-            <a:spLocks noGrp="1"/>
-          </p:cNvSpPr>
-          <p:nvPr>
-            <p:ph type="title"/>
-          </p:nvPr>
-        </p:nvSpPr>
-        <p:spPr/>
-        <p:txBody>
-          <a:bodyPr/>
-          <a:lstStyle/>
-          <a:p>
-            <a:r>
-              <a:rPr lang="en-US" dirty="0"/>
-              <a:t>PCA Transformation</a:t>
-            </a:r>
-          </a:p>
-        </p:txBody>
-      </p:sp>
-      <p:sp>
-        <p:nvSpPr>
-          <p:cNvPr id="3" name="Content Placeholder 2">
-            <a:extLst>
-              <a:ext uri="{FF2B5EF4-FFF2-40B4-BE49-F238E27FC236}">
-                <a16:creationId xmlns:a16="http://schemas.microsoft.com/office/drawing/2014/main" id="{77F4B33E-A241-EF43-BD5C-649D23F2AB90}"/>
-              </a:ext>
-            </a:extLst>
-          </p:cNvPr>
-          <p:cNvSpPr>
-            <a:spLocks noGrp="1"/>
-          </p:cNvSpPr>
-          <p:nvPr>
-            <p:ph idx="1"/>
-          </p:nvPr>
-        </p:nvSpPr>
-        <p:spPr>
-          <a:xfrm>
-            <a:off x="1451579" y="1853754"/>
-            <a:ext cx="9603275" cy="787843"/>
-          </a:xfrm>
-        </p:spPr>
-        <p:txBody>
-          <a:bodyPr/>
-          <a:lstStyle/>
-          <a:p>
-            <a:r>
-              <a:rPr lang="en-US" dirty="0"/>
-              <a:t>We can plot data on an axis of its components. </a:t>
-            </a:r>
-          </a:p>
-        </p:txBody>
-      </p:sp>
       <p:pic>
         <p:nvPicPr>
-          <p:cNvPr id="3074" name="Picture 2" descr="In Depth: Principal Component Analysis | Python Data Science Handbook">
+          <p:cNvPr id="9218" name="Picture 2" descr="Scatter Plot - Definition, Uses, Examples, Challenges">
             <a:extLst>
               <a:ext uri="{FF2B5EF4-FFF2-40B4-BE49-F238E27FC236}">
-                <a16:creationId xmlns:a16="http://schemas.microsoft.com/office/drawing/2014/main" id="{D97749E8-AA1C-D848-BEA9-5075C25628D8}"/>
+                <a16:creationId xmlns:a16="http://schemas.microsoft.com/office/drawing/2014/main" id="{A8096132-3165-4D5A-D69C-67DCF66091D1}"/>
               </a:ext>
             </a:extLst>
           </p:cNvPr>
@@ -4667,7 +6908,7 @@
           </p:cNvPicPr>
           <p:nvPr/>
         </p:nvPicPr>
-        <p:blipFill rotWithShape="1">
+        <p:blipFill>
           <a:blip r:embed="rId2">
             <a:extLst>
               <a:ext uri="{28A0092B-C50C-407E-A947-70E740481C1C}">
@@ -4675,13 +6916,15 @@
               </a:ext>
             </a:extLst>
           </a:blip>
-          <a:srcRect t="4206" b="4365"/>
-          <a:stretch/>
+          <a:srcRect/>
+          <a:stretch>
+            <a:fillRect/>
+          </a:stretch>
         </p:blipFill>
         <p:spPr bwMode="auto">
           <a:xfrm>
-            <a:off x="0" y="2641596"/>
-            <a:ext cx="12192000" cy="4180114"/>
+            <a:off x="361950" y="292100"/>
+            <a:ext cx="9334500" cy="5715000"/>
           </a:xfrm>
           <a:prstGeom prst="rect">
             <a:avLst/>
@@ -4698,10 +6941,88 @@
           </a:extLst>
         </p:spPr>
       </p:pic>
+      <p:sp>
+        <p:nvSpPr>
+          <p:cNvPr id="4" name="TextBox 3">
+            <a:extLst>
+              <a:ext uri="{FF2B5EF4-FFF2-40B4-BE49-F238E27FC236}">
+                <a16:creationId xmlns:a16="http://schemas.microsoft.com/office/drawing/2014/main" id="{7570D569-25DC-E426-B015-14137B84F5CF}"/>
+              </a:ext>
+            </a:extLst>
+          </p:cNvPr>
+          <p:cNvSpPr txBox="1"/>
+          <p:nvPr/>
+        </p:nvSpPr>
+        <p:spPr>
+          <a:xfrm>
+            <a:off x="8463169" y="5679108"/>
+            <a:ext cx="690770" cy="461665"/>
+          </a:xfrm>
+          <a:prstGeom prst="rect">
+            <a:avLst/>
+          </a:prstGeom>
+          <a:noFill/>
+        </p:spPr>
+        <p:txBody>
+          <a:bodyPr wrap="square" rtlCol="0">
+            <a:spAutoFit/>
+          </a:bodyPr>
+          <a:lstStyle/>
+          <a:p>
+            <a:r>
+              <a:rPr lang="en-US" sz="2400" b="1" dirty="0"/>
+              <a:t>X</a:t>
+            </a:r>
+            <a:r>
+              <a:rPr lang="en-US" sz="2400" b="1" baseline="-25000" dirty="0"/>
+              <a:t>1</a:t>
+            </a:r>
+          </a:p>
+        </p:txBody>
+      </p:sp>
+      <p:sp>
+        <p:nvSpPr>
+          <p:cNvPr id="5" name="TextBox 4">
+            <a:extLst>
+              <a:ext uri="{FF2B5EF4-FFF2-40B4-BE49-F238E27FC236}">
+                <a16:creationId xmlns:a16="http://schemas.microsoft.com/office/drawing/2014/main" id="{D510F797-10D0-F10A-984F-A8BA8ACB93B3}"/>
+              </a:ext>
+            </a:extLst>
+          </p:cNvPr>
+          <p:cNvSpPr txBox="1"/>
+          <p:nvPr/>
+        </p:nvSpPr>
+        <p:spPr>
+          <a:xfrm>
+            <a:off x="16565" y="279400"/>
+            <a:ext cx="690770" cy="461665"/>
+          </a:xfrm>
+          <a:prstGeom prst="rect">
+            <a:avLst/>
+          </a:prstGeom>
+          <a:noFill/>
+        </p:spPr>
+        <p:txBody>
+          <a:bodyPr wrap="square" rtlCol="0">
+            <a:spAutoFit/>
+          </a:bodyPr>
+          <a:lstStyle/>
+          <a:p>
+            <a:r>
+              <a:rPr lang="en-US" sz="2400" b="1" dirty="0"/>
+              <a:t>X</a:t>
+            </a:r>
+            <a:r>
+              <a:rPr lang="en-US" sz="2400" b="1" baseline="-25000" dirty="0"/>
+              <a:t>2</a:t>
+            </a:r>
+          </a:p>
+        </p:txBody>
+      </p:sp>
     </p:spTree>
     <p:extLst>
       <p:ext uri="{BB962C8B-B14F-4D97-AF65-F5344CB8AC3E}">
-        <p14:creationId xmlns:p14="http://schemas.microsoft.com/office/powerpoint/2010/main" val="992784107"/>
+        <p14:creationId xmlns:p14="http://schemas.microsoft.com/office/powerpoint/2010/main" val="1021655003"/>
       </p:ext>
     </p:extLst>
   </p:cSld>
@@ -4716,7 +7037,13 @@
   <p:cSld>
     <p:spTree>
       <p:nvGrpSpPr>
-        <p:cNvPr id="1" name=""/>
+        <p:cNvPr id="1" name="">
+          <a:extLst>
+            <a:ext uri="{FF2B5EF4-FFF2-40B4-BE49-F238E27FC236}">
+              <a16:creationId xmlns:a16="http://schemas.microsoft.com/office/drawing/2014/main" id="{1E434AD5-2BB8-3748-D4E7-DCD6EB768245}"/>
+            </a:ext>
+          </a:extLst>
+        </p:cNvPr>
         <p:cNvGrpSpPr/>
         <p:nvPr/>
       </p:nvGrpSpPr>
@@ -4728,65 +7055,12 @@
           <a:chExt cx="0" cy="0"/>
         </a:xfrm>
       </p:grpSpPr>
-      <p:sp>
-        <p:nvSpPr>
-          <p:cNvPr id="2" name="Title 1">
-            <a:extLst>
-              <a:ext uri="{FF2B5EF4-FFF2-40B4-BE49-F238E27FC236}">
-                <a16:creationId xmlns:a16="http://schemas.microsoft.com/office/drawing/2014/main" id="{10E5FA4F-D0DC-9D45-B149-BC20B2D3ABA0}"/>
-              </a:ext>
-            </a:extLst>
-          </p:cNvPr>
-          <p:cNvSpPr>
-            <a:spLocks noGrp="1"/>
-          </p:cNvSpPr>
-          <p:nvPr>
-            <p:ph type="title"/>
-          </p:nvPr>
-        </p:nvSpPr>
-        <p:spPr/>
-        <p:txBody>
-          <a:bodyPr/>
-          <a:lstStyle/>
-          <a:p>
-            <a:r>
-              <a:rPr lang="en-US" dirty="0"/>
-              <a:t>In 3D</a:t>
-            </a:r>
-          </a:p>
-        </p:txBody>
-      </p:sp>
-      <p:sp>
-        <p:nvSpPr>
-          <p:cNvPr id="3" name="Content Placeholder 2">
-            <a:extLst>
-              <a:ext uri="{FF2B5EF4-FFF2-40B4-BE49-F238E27FC236}">
-                <a16:creationId xmlns:a16="http://schemas.microsoft.com/office/drawing/2014/main" id="{069AF74A-F121-354A-95E8-DEB01FFB1726}"/>
-              </a:ext>
-            </a:extLst>
-          </p:cNvPr>
-          <p:cNvSpPr>
-            <a:spLocks noGrp="1"/>
-          </p:cNvSpPr>
-          <p:nvPr>
-            <p:ph idx="1"/>
-          </p:nvPr>
-        </p:nvSpPr>
-        <p:spPr/>
-        <p:txBody>
-          <a:bodyPr/>
-          <a:lstStyle/>
-          <a:p>
-            <a:endParaRPr lang="en-US"/>
-          </a:p>
-        </p:txBody>
-      </p:sp>
       <p:pic>
         <p:nvPicPr>
-          <p:cNvPr id="4098" name="Picture 2" descr="SVD and PCA - csci5740g">
+          <p:cNvPr id="9218" name="Picture 2" descr="Scatter Plot - Definition, Uses, Examples, Challenges">
             <a:extLst>
               <a:ext uri="{FF2B5EF4-FFF2-40B4-BE49-F238E27FC236}">
-                <a16:creationId xmlns:a16="http://schemas.microsoft.com/office/drawing/2014/main" id="{68094361-5DB0-CA4A-BC19-DFDBB765F631}"/>
+                <a16:creationId xmlns:a16="http://schemas.microsoft.com/office/drawing/2014/main" id="{1E20EF68-2FA6-38F8-9247-59F0803347C4}"/>
               </a:ext>
             </a:extLst>
           </p:cNvPr>
@@ -4795,7 +7069,7 @@
           </p:cNvPicPr>
           <p:nvPr/>
         </p:nvPicPr>
-        <p:blipFill rotWithShape="1">
+        <p:blipFill>
           <a:blip r:embed="rId2">
             <a:extLst>
               <a:ext uri="{28A0092B-C50C-407E-A947-70E740481C1C}">
@@ -4803,13 +7077,15 @@
               </a:ext>
             </a:extLst>
           </a:blip>
-          <a:srcRect l="3434" t="6623" r="1976" b="5065"/>
-          <a:stretch/>
+          <a:srcRect/>
+          <a:stretch>
+            <a:fillRect/>
+          </a:stretch>
         </p:blipFill>
         <p:spPr bwMode="auto">
           <a:xfrm>
-            <a:off x="537028" y="1611086"/>
-            <a:ext cx="11292115" cy="3701143"/>
+            <a:off x="361950" y="292100"/>
+            <a:ext cx="9334500" cy="5715000"/>
           </a:xfrm>
           <a:prstGeom prst="rect">
             <a:avLst/>
@@ -4826,10 +7102,125 @@
           </a:extLst>
         </p:spPr>
       </p:pic>
+      <p:sp>
+        <p:nvSpPr>
+          <p:cNvPr id="4" name="TextBox 3">
+            <a:extLst>
+              <a:ext uri="{FF2B5EF4-FFF2-40B4-BE49-F238E27FC236}">
+                <a16:creationId xmlns:a16="http://schemas.microsoft.com/office/drawing/2014/main" id="{38497212-8DE5-16F6-0D2C-B92068DAFD13}"/>
+              </a:ext>
+            </a:extLst>
+          </p:cNvPr>
+          <p:cNvSpPr txBox="1"/>
+          <p:nvPr/>
+        </p:nvSpPr>
+        <p:spPr>
+          <a:xfrm>
+            <a:off x="8463169" y="5679108"/>
+            <a:ext cx="690770" cy="461665"/>
+          </a:xfrm>
+          <a:prstGeom prst="rect">
+            <a:avLst/>
+          </a:prstGeom>
+          <a:noFill/>
+        </p:spPr>
+        <p:txBody>
+          <a:bodyPr wrap="square" rtlCol="0">
+            <a:spAutoFit/>
+          </a:bodyPr>
+          <a:lstStyle/>
+          <a:p>
+            <a:r>
+              <a:rPr lang="en-US" sz="2400" b="1" dirty="0"/>
+              <a:t>X</a:t>
+            </a:r>
+            <a:r>
+              <a:rPr lang="en-US" sz="2400" b="1" baseline="-25000" dirty="0"/>
+              <a:t>1</a:t>
+            </a:r>
+          </a:p>
+        </p:txBody>
+      </p:sp>
+      <p:sp>
+        <p:nvSpPr>
+          <p:cNvPr id="5" name="TextBox 4">
+            <a:extLst>
+              <a:ext uri="{FF2B5EF4-FFF2-40B4-BE49-F238E27FC236}">
+                <a16:creationId xmlns:a16="http://schemas.microsoft.com/office/drawing/2014/main" id="{426A76F9-363C-33A4-8B6C-C60D932945D8}"/>
+              </a:ext>
+            </a:extLst>
+          </p:cNvPr>
+          <p:cNvSpPr txBox="1"/>
+          <p:nvPr/>
+        </p:nvSpPr>
+        <p:spPr>
+          <a:xfrm>
+            <a:off x="16565" y="279400"/>
+            <a:ext cx="690770" cy="461665"/>
+          </a:xfrm>
+          <a:prstGeom prst="rect">
+            <a:avLst/>
+          </a:prstGeom>
+          <a:noFill/>
+        </p:spPr>
+        <p:txBody>
+          <a:bodyPr wrap="square" rtlCol="0">
+            <a:spAutoFit/>
+          </a:bodyPr>
+          <a:lstStyle/>
+          <a:p>
+            <a:r>
+              <a:rPr lang="en-US" sz="2400" b="1" dirty="0"/>
+              <a:t>X</a:t>
+            </a:r>
+            <a:r>
+              <a:rPr lang="en-US" sz="2400" b="1" baseline="-25000" dirty="0"/>
+              <a:t>2</a:t>
+            </a:r>
+          </a:p>
+        </p:txBody>
+      </p:sp>
+      <p:cxnSp>
+        <p:nvCxnSpPr>
+          <p:cNvPr id="3" name="Straight Connector 2">
+            <a:extLst>
+              <a:ext uri="{FF2B5EF4-FFF2-40B4-BE49-F238E27FC236}">
+                <a16:creationId xmlns:a16="http://schemas.microsoft.com/office/drawing/2014/main" id="{09A43A25-9776-F575-6126-7AA12B6714C7}"/>
+              </a:ext>
+            </a:extLst>
+          </p:cNvPr>
+          <p:cNvCxnSpPr/>
+          <p:nvPr/>
+        </p:nvCxnSpPr>
+        <p:spPr>
+          <a:xfrm flipV="1">
+            <a:off x="1202635" y="576470"/>
+            <a:ext cx="7454348" cy="3607904"/>
+          </a:xfrm>
+          <a:prstGeom prst="line">
+            <a:avLst/>
+          </a:prstGeom>
+          <a:ln w="76200"/>
+        </p:spPr>
+        <p:style>
+          <a:lnRef idx="3">
+            <a:schemeClr val="accent1"/>
+          </a:lnRef>
+          <a:fillRef idx="0">
+            <a:schemeClr val="accent1"/>
+          </a:fillRef>
+          <a:effectRef idx="2">
+            <a:schemeClr val="accent1"/>
+          </a:effectRef>
+          <a:fontRef idx="minor">
+            <a:schemeClr val="tx1"/>
+          </a:fontRef>
+        </p:style>
+      </p:cxnSp>
     </p:spTree>
     <p:extLst>
       <p:ext uri="{BB962C8B-B14F-4D97-AF65-F5344CB8AC3E}">
-        <p14:creationId xmlns:p14="http://schemas.microsoft.com/office/powerpoint/2010/main" val="3632387029"/>
+        <p14:creationId xmlns:p14="http://schemas.microsoft.com/office/powerpoint/2010/main" val="2991769949"/>
       </p:ext>
     </p:extLst>
   </p:cSld>
@@ -4844,7 +7235,13 @@
   <p:cSld>
     <p:spTree>
       <p:nvGrpSpPr>
-        <p:cNvPr id="1" name=""/>
+        <p:cNvPr id="1" name="">
+          <a:extLst>
+            <a:ext uri="{FF2B5EF4-FFF2-40B4-BE49-F238E27FC236}">
+              <a16:creationId xmlns:a16="http://schemas.microsoft.com/office/drawing/2014/main" id="{3FCA7F0D-36D4-80B2-BE40-F4B64A5CF0CF}"/>
+            </a:ext>
+          </a:extLst>
+        </p:cNvPr>
         <p:cNvGrpSpPr/>
         <p:nvPr/>
       </p:nvGrpSpPr>
@@ -4856,68 +7253,299 @@
           <a:chExt cx="0" cy="0"/>
         </a:xfrm>
       </p:grpSpPr>
-      <p:sp>
-        <p:nvSpPr>
-          <p:cNvPr id="2" name="Title 1">
+      <p:pic>
+        <p:nvPicPr>
+          <p:cNvPr id="9218" name="Picture 2" descr="Scatter Plot - Definition, Uses, Examples, Challenges">
             <a:extLst>
               <a:ext uri="{FF2B5EF4-FFF2-40B4-BE49-F238E27FC236}">
-                <a16:creationId xmlns:a16="http://schemas.microsoft.com/office/drawing/2014/main" id="{0F60AC1F-1A89-E349-8CBB-0FF1FC6FBD9B}"/>
+                <a16:creationId xmlns:a16="http://schemas.microsoft.com/office/drawing/2014/main" id="{B5F3C3BD-08CE-1F50-1D51-29466B9ADACA}"/>
               </a:ext>
             </a:extLst>
           </p:cNvPr>
-          <p:cNvSpPr>
-            <a:spLocks noGrp="1"/>
-          </p:cNvSpPr>
-          <p:nvPr>
-            <p:ph type="title"/>
-          </p:nvPr>
-        </p:nvSpPr>
-        <p:spPr/>
-        <p:txBody>
-          <a:bodyPr/>
-          <a:lstStyle/>
-          <a:p>
-            <a:r>
-              <a:rPr lang="en-US" dirty="0"/>
-              <a:t>Animated and Interactive</a:t>
-            </a:r>
-          </a:p>
-        </p:txBody>
-      </p:sp>
-      <p:sp>
-        <p:nvSpPr>
-          <p:cNvPr id="3" name="Content Placeholder 2">
+          <p:cNvPicPr>
+            <a:picLocks noChangeAspect="1" noChangeArrowheads="1"/>
+          </p:cNvPicPr>
+          <p:nvPr/>
+        </p:nvPicPr>
+        <p:blipFill>
+          <a:blip r:embed="rId2">
+            <a:extLst>
+              <a:ext uri="{28A0092B-C50C-407E-A947-70E740481C1C}">
+                <a14:useLocalDpi xmlns:a14="http://schemas.microsoft.com/office/drawing/2010/main" val="0"/>
+              </a:ext>
+            </a:extLst>
+          </a:blip>
+          <a:srcRect/>
+          <a:stretch>
+            <a:fillRect/>
+          </a:stretch>
+        </p:blipFill>
+        <p:spPr bwMode="auto">
+          <a:xfrm>
+            <a:off x="361950" y="292100"/>
+            <a:ext cx="9334500" cy="5715000"/>
+          </a:xfrm>
+          <a:prstGeom prst="rect">
+            <a:avLst/>
+          </a:prstGeom>
+          <a:noFill/>
+          <a:extLst>
+            <a:ext uri="{909E8E84-426E-40DD-AFC4-6F175D3DCCD1}">
+              <a14:hiddenFill xmlns:a14="http://schemas.microsoft.com/office/drawing/2010/main">
+                <a:solidFill>
+                  <a:srgbClr val="FFFFFF"/>
+                </a:solidFill>
+              </a14:hiddenFill>
+            </a:ext>
+          </a:extLst>
+        </p:spPr>
+      </p:pic>
+      <p:sp>
+        <p:nvSpPr>
+          <p:cNvPr id="4" name="TextBox 3">
             <a:extLst>
               <a:ext uri="{FF2B5EF4-FFF2-40B4-BE49-F238E27FC236}">
-                <a16:creationId xmlns:a16="http://schemas.microsoft.com/office/drawing/2014/main" id="{583680F7-5D99-FC47-B0EB-07BB17F29FAE}"/>
+                <a16:creationId xmlns:a16="http://schemas.microsoft.com/office/drawing/2014/main" id="{A4B9B48C-3C6D-5940-41D1-8E8C4E81B757}"/>
               </a:ext>
             </a:extLst>
           </p:cNvPr>
-          <p:cNvSpPr>
-            <a:spLocks noGrp="1"/>
-          </p:cNvSpPr>
-          <p:nvPr>
-            <p:ph idx="1"/>
-          </p:nvPr>
-        </p:nvSpPr>
-        <p:spPr/>
-        <p:txBody>
-          <a:bodyPr/>
-          <a:lstStyle/>
-          <a:p>
-            <a:r>
-              <a:rPr lang="en-US" dirty="0"/>
-              <a:t>Check: </a:t>
-            </a:r>
-            <a:r>
-              <a:rPr lang="en-US" dirty="0">
-                <a:hlinkClick r:id="rId2"/>
+          <p:cNvSpPr txBox="1"/>
+          <p:nvPr/>
+        </p:nvSpPr>
+        <p:spPr>
+          <a:xfrm>
+            <a:off x="8463169" y="5679108"/>
+            <a:ext cx="690770" cy="461665"/>
+          </a:xfrm>
+          <a:prstGeom prst="rect">
+            <a:avLst/>
+          </a:prstGeom>
+          <a:noFill/>
+        </p:spPr>
+        <p:txBody>
+          <a:bodyPr wrap="square" rtlCol="0">
+            <a:spAutoFit/>
+          </a:bodyPr>
+          <a:lstStyle/>
+          <a:p>
+            <a:r>
+              <a:rPr lang="en-US" sz="2400" b="1" dirty="0"/>
+              <a:t>X</a:t>
+            </a:r>
+            <a:r>
+              <a:rPr lang="en-US" sz="2400" b="1" baseline="-25000" dirty="0"/>
+              <a:t>1</a:t>
+            </a:r>
+          </a:p>
+        </p:txBody>
+      </p:sp>
+      <p:sp>
+        <p:nvSpPr>
+          <p:cNvPr id="5" name="TextBox 4">
+            <a:extLst>
+              <a:ext uri="{FF2B5EF4-FFF2-40B4-BE49-F238E27FC236}">
+                <a16:creationId xmlns:a16="http://schemas.microsoft.com/office/drawing/2014/main" id="{9A903656-6BD2-9FEA-5830-EA5F479D8234}"/>
+              </a:ext>
+            </a:extLst>
+          </p:cNvPr>
+          <p:cNvSpPr txBox="1"/>
+          <p:nvPr/>
+        </p:nvSpPr>
+        <p:spPr>
+          <a:xfrm>
+            <a:off x="16565" y="279400"/>
+            <a:ext cx="690770" cy="461665"/>
+          </a:xfrm>
+          <a:prstGeom prst="rect">
+            <a:avLst/>
+          </a:prstGeom>
+          <a:noFill/>
+        </p:spPr>
+        <p:txBody>
+          <a:bodyPr wrap="square" rtlCol="0">
+            <a:spAutoFit/>
+          </a:bodyPr>
+          <a:lstStyle/>
+          <a:p>
+            <a:r>
+              <a:rPr lang="en-US" sz="2400" b="1" dirty="0"/>
+              <a:t>X</a:t>
+            </a:r>
+            <a:r>
+              <a:rPr lang="en-US" sz="2400" b="1" baseline="-25000" dirty="0"/>
+              <a:t>2</a:t>
+            </a:r>
+          </a:p>
+        </p:txBody>
+      </p:sp>
+      <p:cxnSp>
+        <p:nvCxnSpPr>
+          <p:cNvPr id="3" name="Straight Connector 2">
+            <a:extLst>
+              <a:ext uri="{FF2B5EF4-FFF2-40B4-BE49-F238E27FC236}">
+                <a16:creationId xmlns:a16="http://schemas.microsoft.com/office/drawing/2014/main" id="{84857173-A619-D770-2C5B-D6EB98A02FC8}"/>
+              </a:ext>
+            </a:extLst>
+          </p:cNvPr>
+          <p:cNvCxnSpPr/>
+          <p:nvPr/>
+        </p:nvCxnSpPr>
+        <p:spPr>
+          <a:xfrm flipV="1">
+            <a:off x="1202635" y="576470"/>
+            <a:ext cx="7454348" cy="3607904"/>
+          </a:xfrm>
+          <a:prstGeom prst="line">
+            <a:avLst/>
+          </a:prstGeom>
+          <a:ln w="76200"/>
+        </p:spPr>
+        <p:style>
+          <a:lnRef idx="3">
+            <a:schemeClr val="accent1"/>
+          </a:lnRef>
+          <a:fillRef idx="0">
+            <a:schemeClr val="accent1"/>
+          </a:fillRef>
+          <a:effectRef idx="2">
+            <a:schemeClr val="accent1"/>
+          </a:effectRef>
+          <a:fontRef idx="minor">
+            <a:schemeClr val="tx1"/>
+          </a:fontRef>
+        </p:style>
+      </p:cxnSp>
+      <p:cxnSp>
+        <p:nvCxnSpPr>
+          <p:cNvPr id="7" name="Straight Connector 6">
+            <a:extLst>
+              <a:ext uri="{FF2B5EF4-FFF2-40B4-BE49-F238E27FC236}">
+                <a16:creationId xmlns:a16="http://schemas.microsoft.com/office/drawing/2014/main" id="{42EC46C9-CA6C-E4E9-56CF-4AE2EB13A283}"/>
+              </a:ext>
+            </a:extLst>
+          </p:cNvPr>
+          <p:cNvCxnSpPr/>
+          <p:nvPr/>
+        </p:nvCxnSpPr>
+        <p:spPr>
+          <a:xfrm>
+            <a:off x="3738623" y="1724628"/>
+            <a:ext cx="1088020" cy="1898248"/>
+          </a:xfrm>
+          <a:prstGeom prst="line">
+            <a:avLst/>
+          </a:prstGeom>
+          <a:ln w="76200">
+            <a:solidFill>
+              <a:srgbClr val="00B050"/>
+            </a:solidFill>
+          </a:ln>
+        </p:spPr>
+        <p:style>
+          <a:lnRef idx="1">
+            <a:schemeClr val="accent1"/>
+          </a:lnRef>
+          <a:fillRef idx="0">
+            <a:schemeClr val="accent1"/>
+          </a:fillRef>
+          <a:effectRef idx="0">
+            <a:schemeClr val="accent1"/>
+          </a:effectRef>
+          <a:fontRef idx="minor">
+            <a:schemeClr val="tx1"/>
+          </a:fontRef>
+        </p:style>
+      </p:cxnSp>
+      <p:sp>
+        <p:nvSpPr>
+          <p:cNvPr id="2" name="TextBox 1">
+            <a:extLst>
+              <a:ext uri="{FF2B5EF4-FFF2-40B4-BE49-F238E27FC236}">
+                <a16:creationId xmlns:a16="http://schemas.microsoft.com/office/drawing/2014/main" id="{0E3A439C-2E01-B8E6-AD62-782462D663D4}"/>
+              </a:ext>
+            </a:extLst>
+          </p:cNvPr>
+          <p:cNvSpPr txBox="1"/>
+          <p:nvPr/>
+        </p:nvSpPr>
+        <p:spPr>
+          <a:xfrm>
+            <a:off x="4931088" y="3302321"/>
+            <a:ext cx="960426" cy="461665"/>
+          </a:xfrm>
+          <a:prstGeom prst="rect">
+            <a:avLst/>
+          </a:prstGeom>
+          <a:noFill/>
+        </p:spPr>
+        <p:txBody>
+          <a:bodyPr wrap="square" rtlCol="0">
+            <a:spAutoFit/>
+          </a:bodyPr>
+          <a:lstStyle/>
+          <a:p>
+            <a:r>
+              <a:rPr lang="en-US" sz="2400" b="1" dirty="0">
+                <a:solidFill>
+                  <a:srgbClr val="00B050"/>
+                </a:solidFill>
               </a:rPr>
-              <a:t>https://setosa.io/ev/principal-component-analysis/</a:t>
-            </a:r>
-            <a:r>
-              <a:rPr lang="en-US" dirty="0"/>
-              <a:t> </a:t>
+              <a:t>PC</a:t>
+            </a:r>
+            <a:r>
+              <a:rPr lang="en-US" sz="2400" b="1" baseline="-25000" dirty="0">
+                <a:solidFill>
+                  <a:srgbClr val="00B050"/>
+                </a:solidFill>
+              </a:rPr>
+              <a:t>2</a:t>
+            </a:r>
+          </a:p>
+        </p:txBody>
+      </p:sp>
+      <p:sp>
+        <p:nvSpPr>
+          <p:cNvPr id="6" name="TextBox 5">
+            <a:extLst>
+              <a:ext uri="{FF2B5EF4-FFF2-40B4-BE49-F238E27FC236}">
+                <a16:creationId xmlns:a16="http://schemas.microsoft.com/office/drawing/2014/main" id="{345FE9BD-6018-3DC4-6174-73EF7B66C068}"/>
+              </a:ext>
+            </a:extLst>
+          </p:cNvPr>
+          <p:cNvSpPr txBox="1"/>
+          <p:nvPr/>
+        </p:nvSpPr>
+        <p:spPr>
+          <a:xfrm>
+            <a:off x="8537242" y="853794"/>
+            <a:ext cx="960426" cy="461665"/>
+          </a:xfrm>
+          <a:prstGeom prst="rect">
+            <a:avLst/>
+          </a:prstGeom>
+          <a:noFill/>
+        </p:spPr>
+        <p:txBody>
+          <a:bodyPr wrap="square" rtlCol="0">
+            <a:spAutoFit/>
+          </a:bodyPr>
+          <a:lstStyle/>
+          <a:p>
+            <a:r>
+              <a:rPr lang="en-US" sz="2400" b="1" dirty="0">
+                <a:solidFill>
+                  <a:srgbClr val="C00000"/>
+                </a:solidFill>
+              </a:rPr>
+              <a:t>PC</a:t>
+            </a:r>
+            <a:r>
+              <a:rPr lang="en-US" sz="2400" b="1" baseline="-25000" dirty="0">
+                <a:solidFill>
+                  <a:srgbClr val="C00000"/>
+                </a:solidFill>
+              </a:rPr>
+              <a:t>1</a:t>
             </a:r>
           </a:p>
         </p:txBody>
@@ -4925,7 +7553,7 @@
     </p:spTree>
     <p:extLst>
       <p:ext uri="{BB962C8B-B14F-4D97-AF65-F5344CB8AC3E}">
-        <p14:creationId xmlns:p14="http://schemas.microsoft.com/office/powerpoint/2010/main" val="3995485896"/>
+        <p14:creationId xmlns:p14="http://schemas.microsoft.com/office/powerpoint/2010/main" val="1755282336"/>
       </p:ext>
     </p:extLst>
   </p:cSld>
@@ -4957,7 +7585,7 @@
           <p:cNvPr id="2" name="Title 1">
             <a:extLst>
               <a:ext uri="{FF2B5EF4-FFF2-40B4-BE49-F238E27FC236}">
-                <a16:creationId xmlns:a16="http://schemas.microsoft.com/office/drawing/2014/main" id="{B31C9725-10EC-544E-B25A-DA63D49E1460}"/>
+                <a16:creationId xmlns:a16="http://schemas.microsoft.com/office/drawing/2014/main" id="{233D0EF0-4F67-124B-B0A3-076C4492CF39}"/>
               </a:ext>
             </a:extLst>
           </p:cNvPr>
@@ -4975,7 +7603,7 @@
           <a:p>
             <a:r>
               <a:rPr lang="en-US" dirty="0"/>
-              <a:t>PCA and Variance</a:t>
+              <a:t>Principal Component Analysis</a:t>
             </a:r>
           </a:p>
         </p:txBody>
@@ -4985,7 +7613,7 @@
           <p:cNvPr id="3" name="Content Placeholder 2">
             <a:extLst>
               <a:ext uri="{FF2B5EF4-FFF2-40B4-BE49-F238E27FC236}">
-                <a16:creationId xmlns:a16="http://schemas.microsoft.com/office/drawing/2014/main" id="{199DE5C1-FC27-AC4F-97AE-BA10AFD20E95}"/>
+                <a16:creationId xmlns:a16="http://schemas.microsoft.com/office/drawing/2014/main" id="{2D6E3592-3C9D-0847-A557-0AFB18FB5E40}"/>
               </a:ext>
             </a:extLst>
           </p:cNvPr>
@@ -4996,54 +7624,107 @@
             <p:ph idx="1"/>
           </p:nvPr>
         </p:nvSpPr>
-        <p:spPr/>
-        <p:txBody>
-          <a:bodyPr/>
-          <a:lstStyle/>
-          <a:p>
-            <a:r>
-              <a:rPr lang="en-US" dirty="0"/>
-              <a:t>PCA frequently refers to variance. </a:t>
-            </a:r>
-          </a:p>
-          <a:p>
-            <a:r>
-              <a:rPr lang="en-US" dirty="0"/>
-              <a:t>Each feature “explains” some amount of the variance in a target.  </a:t>
+        <p:spPr>
+          <a:xfrm>
+            <a:off x="156117" y="2015732"/>
+            <a:ext cx="7233225" cy="4037749"/>
+          </a:xfrm>
+        </p:spPr>
+        <p:txBody>
+          <a:bodyPr>
+            <a:normAutofit/>
+          </a:bodyPr>
+          <a:lstStyle/>
+          <a:p>
+            <a:r>
+              <a:rPr lang="en-US" dirty="0"/>
+              <a:t>PCA is a general method of dimensional reduction. </a:t>
+            </a:r>
+          </a:p>
+          <a:p>
+            <a:r>
+              <a:rPr lang="en-US" dirty="0"/>
+              <a:t>Data is broken down into “principal components”, and only the most influential are kept. </a:t>
             </a:r>
           </a:p>
           <a:p>
             <a:pPr lvl="1"/>
             <a:r>
               <a:rPr lang="en-US" dirty="0"/>
-              <a:t>The more a target varies with a feature, the more that feature explains it. </a:t>
+              <a:t>Principal components are linear combinations of original variables. </a:t>
             </a:r>
           </a:p>
           <a:p>
             <a:pPr lvl="1"/>
             <a:r>
               <a:rPr lang="en-US" dirty="0"/>
-              <a:t>Think of correlation.</a:t>
-            </a:r>
-          </a:p>
-          <a:p>
-            <a:r>
-              <a:rPr lang="en-US" dirty="0"/>
-              <a:t>PCA takes the components that explain most of the variance, and ditches those that explain only a small amount. </a:t>
-            </a:r>
-          </a:p>
-          <a:p>
-            <a:r>
-              <a:rPr lang="en-US" dirty="0"/>
-              <a:t>Result – we can find most of the info on our target, with fewer inputs to a model. </a:t>
-            </a:r>
-          </a:p>
-        </p:txBody>
-      </p:sp>
+              <a:t>The components are uncorrelated with each other. </a:t>
+            </a:r>
+          </a:p>
+          <a:p>
+            <a:pPr lvl="1"/>
+            <a:r>
+              <a:rPr lang="en-US" dirty="0"/>
+              <a:t>The first ”few” components contain most of the information. </a:t>
+            </a:r>
+          </a:p>
+          <a:p>
+            <a:r>
+              <a:rPr lang="en-US" dirty="0"/>
+              <a:t>Components are orthogonal to each other. </a:t>
+            </a:r>
+          </a:p>
+        </p:txBody>
+      </p:sp>
+      <p:pic>
+        <p:nvPicPr>
+          <p:cNvPr id="1026" name="Picture 2" descr="Principal Component Analysis second principal">
+            <a:extLst>
+              <a:ext uri="{FF2B5EF4-FFF2-40B4-BE49-F238E27FC236}">
+                <a16:creationId xmlns:a16="http://schemas.microsoft.com/office/drawing/2014/main" id="{B6ED1B50-853C-9446-9FFF-CD88A3D12D17}"/>
+              </a:ext>
+            </a:extLst>
+          </p:cNvPr>
+          <p:cNvPicPr>
+            <a:picLocks noChangeAspect="1" noChangeArrowheads="1"/>
+          </p:cNvPicPr>
+          <p:nvPr/>
+        </p:nvPicPr>
+        <p:blipFill rotWithShape="1">
+          <a:blip r:embed="rId2">
+            <a:extLst>
+              <a:ext uri="{28A0092B-C50C-407E-A947-70E740481C1C}">
+                <a14:useLocalDpi xmlns:a14="http://schemas.microsoft.com/office/drawing/2010/main" val="0"/>
+              </a:ext>
+            </a:extLst>
+          </a:blip>
+          <a:srcRect l="32433" t="4518" r="29357" b="3505"/>
+          <a:stretch/>
+        </p:blipFill>
+        <p:spPr bwMode="auto">
+          <a:xfrm>
+            <a:off x="7533503" y="1853754"/>
+            <a:ext cx="4658497" cy="4485503"/>
+          </a:xfrm>
+          <a:prstGeom prst="rect">
+            <a:avLst/>
+          </a:prstGeom>
+          <a:noFill/>
+          <a:extLst>
+            <a:ext uri="{909E8E84-426E-40DD-AFC4-6F175D3DCCD1}">
+              <a14:hiddenFill xmlns:a14="http://schemas.microsoft.com/office/drawing/2010/main">
+                <a:solidFill>
+                  <a:srgbClr val="FFFFFF"/>
+                </a:solidFill>
+              </a14:hiddenFill>
+            </a:ext>
+          </a:extLst>
+        </p:spPr>
+      </p:pic>
     </p:spTree>
     <p:extLst>
       <p:ext uri="{BB962C8B-B14F-4D97-AF65-F5344CB8AC3E}">
-        <p14:creationId xmlns:p14="http://schemas.microsoft.com/office/powerpoint/2010/main" val="3110164836"/>
+        <p14:creationId xmlns:p14="http://schemas.microsoft.com/office/powerpoint/2010/main" val="2858498554"/>
       </p:ext>
     </p:extLst>
   </p:cSld>

--- a/reference_content/Slides/PCA.pptx
+++ b/reference_content/Slides/PCA.pptx
@@ -29,7 +29,8 @@
     <p:sldId id="262" r:id="rId23"/>
     <p:sldId id="261" r:id="rId24"/>
     <p:sldId id="275" r:id="rId25"/>
-    <p:sldId id="260" r:id="rId26"/>
+    <p:sldId id="281" r:id="rId26"/>
+    <p:sldId id="260" r:id="rId27"/>
   </p:sldIdLst>
   <p:sldSz cx="12192000" cy="6858000"/>
   <p:notesSz cx="6858000" cy="9144000"/>
@@ -3703,13 +3704,8 @@
           <a:p>
             <a:r>
               <a:rPr lang="en-US" dirty="0"/>
-              <a:t>SVD – there’s a detailed step-by-step thing in the repository </a:t>
-            </a:r>
-            <a:r>
-              <a:rPr lang="en-US"/>
-              <a:t>docs folder. </a:t>
-            </a:r>
-            <a:endParaRPr lang="en-US" dirty="0"/>
+              <a:t>SVD – there’s a detailed step-by-step thing in the repository docs folder. </a:t>
+            </a:r>
           </a:p>
           <a:p>
             <a:r>
@@ -6455,6 +6451,175 @@
           <p:cNvPr id="2" name="Title 1">
             <a:extLst>
               <a:ext uri="{FF2B5EF4-FFF2-40B4-BE49-F238E27FC236}">
+                <a16:creationId xmlns:a16="http://schemas.microsoft.com/office/drawing/2014/main" id="{70E89D07-0145-6BE5-0275-753DE05FEE5A}"/>
+              </a:ext>
+            </a:extLst>
+          </p:cNvPr>
+          <p:cNvSpPr>
+            <a:spLocks noGrp="1"/>
+          </p:cNvSpPr>
+          <p:nvPr>
+            <p:ph type="title"/>
+          </p:nvPr>
+        </p:nvSpPr>
+        <p:spPr/>
+        <p:txBody>
+          <a:bodyPr/>
+          <a:lstStyle/>
+          <a:p>
+            <a:r>
+              <a:rPr lang="en-US" dirty="0"/>
+              <a:t>PCA Impacts</a:t>
+            </a:r>
+          </a:p>
+        </p:txBody>
+      </p:sp>
+      <p:sp>
+        <p:nvSpPr>
+          <p:cNvPr id="3" name="Content Placeholder 2">
+            <a:extLst>
+              <a:ext uri="{FF2B5EF4-FFF2-40B4-BE49-F238E27FC236}">
+                <a16:creationId xmlns:a16="http://schemas.microsoft.com/office/drawing/2014/main" id="{76670820-E673-D688-E2F6-D5BC30F6B2B9}"/>
+              </a:ext>
+            </a:extLst>
+          </p:cNvPr>
+          <p:cNvSpPr>
+            <a:spLocks noGrp="1"/>
+          </p:cNvSpPr>
+          <p:nvPr>
+            <p:ph idx="1"/>
+          </p:nvPr>
+        </p:nvSpPr>
+        <p:spPr>
+          <a:xfrm>
+            <a:off x="7870785" y="2015732"/>
+            <a:ext cx="4109012" cy="4037749"/>
+          </a:xfrm>
+        </p:spPr>
+        <p:txBody>
+          <a:bodyPr/>
+          <a:lstStyle/>
+          <a:p>
+            <a:r>
+              <a:rPr lang="en-US" dirty="0"/>
+              <a:t>This shows images </a:t>
+            </a:r>
+            <a:r>
+              <a:rPr lang="en-US" dirty="0" err="1"/>
+              <a:t>PCA’d</a:t>
+            </a:r>
+            <a:r>
+              <a:rPr lang="en-US" dirty="0"/>
+              <a:t> at:</a:t>
+            </a:r>
+          </a:p>
+          <a:p>
+            <a:pPr lvl="1"/>
+            <a:r>
+              <a:rPr lang="en-US" dirty="0"/>
+              <a:t>~3000 features. </a:t>
+            </a:r>
+          </a:p>
+          <a:p>
+            <a:pPr lvl="1"/>
+            <a:r>
+              <a:rPr lang="en-US" dirty="0"/>
+              <a:t>150 features. </a:t>
+            </a:r>
+          </a:p>
+          <a:p>
+            <a:pPr lvl="1"/>
+            <a:r>
+              <a:rPr lang="en-US" dirty="0"/>
+              <a:t>15 features. </a:t>
+            </a:r>
+          </a:p>
+          <a:p>
+            <a:r>
+              <a:rPr lang="en-US" dirty="0"/>
+              <a:t>We keep most valuable info, while cutting most size. </a:t>
+            </a:r>
+          </a:p>
+          <a:p>
+            <a:r>
+              <a:rPr lang="en-US" dirty="0"/>
+              <a:t>The info losses are spread across all features. </a:t>
+            </a:r>
+          </a:p>
+          <a:p>
+            <a:pPr lvl="1"/>
+            <a:r>
+              <a:rPr lang="en-US" dirty="0"/>
+              <a:t>Each pc is made of all feats.</a:t>
+            </a:r>
+          </a:p>
+        </p:txBody>
+      </p:sp>
+      <p:pic>
+        <p:nvPicPr>
+          <p:cNvPr id="4" name="Picture 3">
+            <a:extLst>
+              <a:ext uri="{FF2B5EF4-FFF2-40B4-BE49-F238E27FC236}">
+                <a16:creationId xmlns:a16="http://schemas.microsoft.com/office/drawing/2014/main" id="{1201022A-93C2-6613-40A8-41E1B6268F36}"/>
+              </a:ext>
+            </a:extLst>
+          </p:cNvPr>
+          <p:cNvPicPr>
+            <a:picLocks noChangeAspect="1"/>
+          </p:cNvPicPr>
+          <p:nvPr/>
+        </p:nvPicPr>
+        <p:blipFill>
+          <a:blip r:embed="rId2"/>
+          <a:stretch>
+            <a:fillRect/>
+          </a:stretch>
+        </p:blipFill>
+        <p:spPr>
+          <a:xfrm>
+            <a:off x="0" y="1853754"/>
+            <a:ext cx="7772400" cy="3538653"/>
+          </a:xfrm>
+          <a:prstGeom prst="rect">
+            <a:avLst/>
+          </a:prstGeom>
+        </p:spPr>
+      </p:pic>
+    </p:spTree>
+    <p:extLst>
+      <p:ext uri="{BB962C8B-B14F-4D97-AF65-F5344CB8AC3E}">
+        <p14:creationId xmlns:p14="http://schemas.microsoft.com/office/powerpoint/2010/main" val="576847493"/>
+      </p:ext>
+    </p:extLst>
+  </p:cSld>
+  <p:clrMapOvr>
+    <a:masterClrMapping/>
+  </p:clrMapOvr>
+</p:sld>
+</file>
+
+<file path=ppt/slides/slide26.xml><?xml version="1.0" encoding="utf-8"?>
+<p:sld xmlns:a="http://schemas.openxmlformats.org/drawingml/2006/main" xmlns:r="http://schemas.openxmlformats.org/officeDocument/2006/relationships" xmlns:p="http://schemas.openxmlformats.org/presentationml/2006/main">
+  <p:cSld>
+    <p:spTree>
+      <p:nvGrpSpPr>
+        <p:cNvPr id="1" name=""/>
+        <p:cNvGrpSpPr/>
+        <p:nvPr/>
+      </p:nvGrpSpPr>
+      <p:grpSpPr>
+        <a:xfrm>
+          <a:off x="0" y="0"/>
+          <a:ext cx="0" cy="0"/>
+          <a:chOff x="0" y="0"/>
+          <a:chExt cx="0" cy="0"/>
+        </a:xfrm>
+      </p:grpSpPr>
+      <p:sp>
+        <p:nvSpPr>
+          <p:cNvPr id="2" name="Title 1">
+            <a:extLst>
+              <a:ext uri="{FF2B5EF4-FFF2-40B4-BE49-F238E27FC236}">
                 <a16:creationId xmlns:a16="http://schemas.microsoft.com/office/drawing/2014/main" id="{3DACE651-EC8C-DD45-BB6E-DAD02431BA16}"/>
               </a:ext>
             </a:extLst>
@@ -6494,7 +6659,12 @@
             <p:ph idx="1"/>
           </p:nvPr>
         </p:nvSpPr>
-        <p:spPr/>
+        <p:spPr>
+          <a:xfrm>
+            <a:off x="1451579" y="1853754"/>
+            <a:ext cx="9603275" cy="4199727"/>
+          </a:xfrm>
+        </p:spPr>
         <p:txBody>
           <a:bodyPr/>
           <a:lstStyle/>
@@ -6513,19 +6683,34 @@
           <a:p>
             <a:r>
               <a:rPr lang="en-US" dirty="0"/>
-              <a:t>PCA does not work with categorical variables. </a:t>
-            </a:r>
-          </a:p>
-          <a:p>
-            <a:r>
-              <a:rPr lang="en-US" dirty="0"/>
-              <a:t>PCA needs scaling to be reliable. </a:t>
-            </a:r>
-          </a:p>
-          <a:p>
-            <a:r>
-              <a:rPr lang="en-US" dirty="0"/>
-              <a:t>PCA is susceptible to outliers. </a:t>
+              <a:t>PCA does not work (logically – it’ll still run) with categorical variables. </a:t>
+            </a:r>
+          </a:p>
+          <a:p>
+            <a:pPr lvl="1"/>
+            <a:r>
+              <a:rPr lang="en-US" dirty="0"/>
+              <a:t>There’s a rough equivalent called MCA (multiple correspondence analysis - </a:t>
+            </a:r>
+            <a:r>
+              <a:rPr lang="en-US" dirty="0" err="1"/>
+              <a:t>oos</a:t>
+            </a:r>
+            <a:r>
+              <a:rPr lang="en-US" dirty="0"/>
+              <a:t>). </a:t>
+            </a:r>
+          </a:p>
+          <a:p>
+            <a:r>
+              <a:rPr lang="en-US" dirty="0"/>
+              <a:t>PCA needs scaling and outlier filtering to be reliable. </a:t>
+            </a:r>
+          </a:p>
+          <a:p>
+            <a:r>
+              <a:rPr lang="en-US" dirty="0"/>
+              <a:t>PCA is/has been used for lower power devices – e.g. image recognition on a rasp. pi.</a:t>
             </a:r>
           </a:p>
         </p:txBody>

--- a/reference_content/Slides/PCA.pptx
+++ b/reference_content/Slides/PCA.pptx
@@ -6040,7 +6040,12 @@
             <p:ph idx="1"/>
           </p:nvPr>
         </p:nvSpPr>
-        <p:spPr/>
+        <p:spPr>
+          <a:xfrm>
+            <a:off x="1451579" y="1853754"/>
+            <a:ext cx="9603275" cy="4199727"/>
+          </a:xfrm>
+        </p:spPr>
         <p:txBody>
           <a:bodyPr/>
           <a:lstStyle/>
@@ -6071,9 +6076,31 @@
             </a:r>
           </a:p>
           <a:p>
+            <a:pPr lvl="1"/>
+            <a:r>
+              <a:rPr lang="en-US" dirty="0"/>
+              <a:t>The total amount of information in the dataset is spread amongst all features. </a:t>
+            </a:r>
+          </a:p>
+          <a:p>
             <a:r>
               <a:rPr lang="en-US" dirty="0"/>
               <a:t>PCA takes the components that explain most of the variance, and ditches those that explain only a small amount. </a:t>
+            </a:r>
+          </a:p>
+          <a:p>
+            <a:pPr lvl="1"/>
+            <a:r>
+              <a:rPr lang="en-US" dirty="0"/>
+              <a:t>We redefine features-&gt;PCs, all the information is still </a:t>
+            </a:r>
+            <a:r>
+              <a:rPr lang="en-US"/>
+              <a:t>spread over all, </a:t>
+            </a:r>
+            <a:r>
+              <a:rPr lang="en-US" dirty="0"/>
+              <a:t>but now less equally. </a:t>
             </a:r>
           </a:p>
           <a:p>
@@ -6305,8 +6332,8 @@
         </p:nvSpPr>
         <p:spPr>
           <a:xfrm>
-            <a:off x="0" y="2015732"/>
-            <a:ext cx="7151405" cy="4037749"/>
+            <a:off x="0" y="1853754"/>
+            <a:ext cx="7151405" cy="4199727"/>
           </a:xfrm>
         </p:spPr>
         <p:txBody>
